--- a/Final Project.pptx
+++ b/Final Project.pptx
@@ -15,6 +15,7 @@
     <p:sldId id="265" r:id="rId9"/>
     <p:sldId id="260" r:id="rId10"/>
     <p:sldId id="261" r:id="rId11"/>
+    <p:sldId id="266" r:id="rId12"/>
   </p:sldIdLst>
   <p:sldSz cx="9144000" cy="6858000" type="screen4x3"/>
   <p:notesSz cx="6858000" cy="9144000"/>
@@ -3260,23 +3261,93 @@
         </p:nvSpPr>
         <p:spPr>
           <a:xfrm>
-            <a:off x="457200" y="1600201"/>
-            <a:ext cx="8229600" cy="1905000"/>
+            <a:off x="457200" y="1600200"/>
+            <a:ext cx="8229600" cy="3428999"/>
           </a:xfrm>
         </p:spPr>
         <p:txBody>
+          <a:bodyPr>
+            <a:normAutofit/>
+          </a:bodyPr>
+          <a:lstStyle/>
+          <a:p>
+            <a:r>
+              <a:rPr lang="en-US" dirty="0" smtClean="0"/>
+              <a:t>Sorted faces by distance to pinhole (farthest to closest</a:t>
+            </a:r>
+            <a:r>
+              <a:rPr lang="en-US" dirty="0" smtClean="0"/>
+              <a:t>)</a:t>
+            </a:r>
+            <a:endParaRPr lang="en-US" dirty="0" smtClean="0"/>
+          </a:p>
+          <a:p>
+            <a:r>
+              <a:rPr lang="en-US" dirty="0" smtClean="0"/>
+              <a:t>Draw faces in this </a:t>
+            </a:r>
+            <a:r>
+              <a:rPr lang="en-US" dirty="0" smtClean="0"/>
+              <a:t>order</a:t>
+            </a:r>
+          </a:p>
+          <a:p>
+            <a:r>
+              <a:rPr lang="en-US" dirty="0" smtClean="0"/>
+              <a:t>Project 3D vertex points to image 2D coordinates</a:t>
+            </a:r>
+            <a:endParaRPr lang="en-US" dirty="0"/>
+          </a:p>
+        </p:txBody>
+      </p:sp>
+    </p:spTree>
+    <p:extLst>
+      <p:ext uri="{BB962C8B-B14F-4D97-AF65-F5344CB8AC3E}">
+        <p14:creationId xmlns:p14="http://schemas.microsoft.com/office/powerpoint/2010/main" val="769246307"/>
+      </p:ext>
+    </p:extLst>
+  </p:cSld>
+  <p:clrMapOvr>
+    <a:masterClrMapping/>
+  </p:clrMapOvr>
+</p:sld>
+</file>
+
+<file path=ppt/slides/slide11.xml><?xml version="1.0" encoding="utf-8"?>
+<p:sld xmlns:a="http://schemas.openxmlformats.org/drawingml/2006/main" xmlns:r="http://schemas.openxmlformats.org/officeDocument/2006/relationships" xmlns:p="http://schemas.openxmlformats.org/presentationml/2006/main">
+  <p:cSld>
+    <p:spTree>
+      <p:nvGrpSpPr>
+        <p:cNvPr id="1" name=""/>
+        <p:cNvGrpSpPr/>
+        <p:nvPr/>
+      </p:nvGrpSpPr>
+      <p:grpSpPr>
+        <a:xfrm>
+          <a:off x="0" y="0"/>
+          <a:ext cx="0" cy="0"/>
+          <a:chOff x="0" y="0"/>
+          <a:chExt cx="0" cy="0"/>
+        </a:xfrm>
+      </p:grpSpPr>
+      <p:sp>
+        <p:nvSpPr>
+          <p:cNvPr id="2" name="Title 1"/>
+          <p:cNvSpPr>
+            <a:spLocks noGrp="1"/>
+          </p:cNvSpPr>
+          <p:nvPr>
+            <p:ph type="title"/>
+          </p:nvPr>
+        </p:nvSpPr>
+        <p:spPr/>
+        <p:txBody>
           <a:bodyPr/>
           <a:lstStyle/>
           <a:p>
             <a:r>
               <a:rPr lang="en-US" dirty="0" smtClean="0"/>
-              <a:t>Sorted faces by distance to pinhole (farthest to closest)</a:t>
-            </a:r>
-          </a:p>
-          <a:p>
-            <a:r>
-              <a:rPr lang="en-US" dirty="0" smtClean="0"/>
-              <a:t>Draw faces in this order</a:t>
+              <a:t>Results</a:t>
             </a:r>
             <a:endParaRPr lang="en-US" dirty="0"/>
           </a:p>
@@ -3302,8 +3373,8 @@
         </p:blipFill>
         <p:spPr>
           <a:xfrm>
-            <a:off x="838200" y="3352800"/>
-            <a:ext cx="3657600" cy="2819400"/>
+            <a:off x="76200" y="1943100"/>
+            <a:ext cx="4267200" cy="3695700"/>
           </a:xfrm>
           <a:prstGeom prst="rect">
             <a:avLst/>
@@ -3330,8 +3401,8 @@
         </p:blipFill>
         <p:spPr>
           <a:xfrm>
-            <a:off x="4724400" y="3352800"/>
-            <a:ext cx="3657600" cy="2819400"/>
+            <a:off x="4724400" y="1934632"/>
+            <a:ext cx="4343400" cy="3704167"/>
           </a:xfrm>
           <a:prstGeom prst="rect">
             <a:avLst/>
@@ -3341,7 +3412,7 @@
     </p:spTree>
     <p:extLst>
       <p:ext uri="{BB962C8B-B14F-4D97-AF65-F5344CB8AC3E}">
-        <p14:creationId xmlns:p14="http://schemas.microsoft.com/office/powerpoint/2010/main" val="769246307"/>
+        <p14:creationId xmlns:p14="http://schemas.microsoft.com/office/powerpoint/2010/main" val="3352633011"/>
       </p:ext>
     </p:extLst>
   </p:cSld>
@@ -3531,7 +3602,7 @@
         </p:blipFill>
         <p:spPr>
           <a:xfrm>
-            <a:off x="228599" y="1524000"/>
+            <a:off x="474133" y="1524000"/>
             <a:ext cx="3412067" cy="2438400"/>
           </a:xfrm>
           <a:prstGeom prst="rect">
@@ -3553,7 +3624,7 @@
         </p:blipFill>
         <p:spPr>
           <a:xfrm>
-            <a:off x="241299" y="4114800"/>
+            <a:off x="457200" y="4114800"/>
             <a:ext cx="3429000" cy="2438400"/>
           </a:xfrm>
           <a:prstGeom prst="rect">
@@ -3572,8 +3643,8 @@
         </p:nvCxnSpPr>
         <p:spPr>
           <a:xfrm flipV="1">
-            <a:off x="3640666" y="2738735"/>
-            <a:ext cx="3056466" cy="4465"/>
+            <a:off x="3886200" y="2738735"/>
+            <a:ext cx="2810932" cy="4465"/>
           </a:xfrm>
           <a:prstGeom prst="straightConnector1">
             <a:avLst/>
@@ -3768,8 +3839,8 @@
         </p:nvCxnSpPr>
         <p:spPr>
           <a:xfrm flipH="1">
-            <a:off x="3670299" y="5329535"/>
-            <a:ext cx="2595033" cy="4465"/>
+            <a:off x="3886200" y="5329535"/>
+            <a:ext cx="2379132" cy="4465"/>
           </a:xfrm>
           <a:prstGeom prst="straightConnector1">
             <a:avLst/>
@@ -4460,8 +4531,8 @@
           </a:p>
         </p:txBody>
       </p:sp>
-      <mc:AlternateContent xmlns:mc="http://schemas.openxmlformats.org/markup-compatibility/2006">
-        <mc:Choice xmlns:a14="http://schemas.microsoft.com/office/drawing/2010/main" Requires="a14">
+      <mc:AlternateContent xmlns:mc="http://schemas.openxmlformats.org/markup-compatibility/2006" xmlns:a14="http://schemas.microsoft.com/office/drawing/2010/main">
+        <mc:Choice Requires="a14">
           <p:sp>
             <p:nvSpPr>
               <p:cNvPr id="3" name="Content Placeholder 2"/>
@@ -4547,7 +4618,7 @@
             </p:txBody>
           </p:sp>
         </mc:Choice>
-        <mc:Fallback>
+        <mc:Fallback xmlns="">
           <p:sp>
             <p:nvSpPr>
               <p:cNvPr id="3" name="Content Placeholder 2"/>
@@ -4585,8 +4656,8 @@
           </p:sp>
         </mc:Fallback>
       </mc:AlternateContent>
-      <mc:AlternateContent xmlns:mc="http://schemas.openxmlformats.org/markup-compatibility/2006">
-        <mc:Choice xmlns:a14="http://schemas.microsoft.com/office/drawing/2010/main" Requires="a14">
+      <mc:AlternateContent xmlns:mc="http://schemas.openxmlformats.org/markup-compatibility/2006" xmlns:a14="http://schemas.microsoft.com/office/drawing/2010/main">
+        <mc:Choice Requires="a14">
           <p:sp>
             <p:nvSpPr>
               <p:cNvPr id="5" name="Rectangle 4"/>
@@ -4608,6 +4679,7 @@
               </a:bodyPr>
               <a:lstStyle/>
               <a:p>
+                <a:pPr/>
                 <a14:m>
                   <m:oMathPara xmlns:m="http://schemas.openxmlformats.org/officeDocument/2006/math">
                     <m:oMathParaPr>
@@ -4619,7 +4691,9 @@
                           <m:begChr m:val="["/>
                           <m:endChr m:val="]"/>
                           <m:ctrlPr>
-                            <a:rPr lang="en-US" i="1"/>
+                            <a:rPr lang="en-US" i="1">
+                              <a:latin typeface="Cambria Math"/>
+                            </a:rPr>
                           </m:ctrlPr>
                         </m:dPr>
                         <m:e>
@@ -4634,7 +4708,9 @@
                                 </m:mc>
                               </m:mcs>
                               <m:ctrlPr>
-                                <a:rPr lang="en-US" i="1"/>
+                                <a:rPr lang="en-US" i="1">
+                                  <a:latin typeface="Cambria Math"/>
+                                </a:rPr>
                               </m:ctrlPr>
                             </m:mPr>
                             <m:mr>
@@ -4642,18 +4718,24 @@
                                 <m:sSub>
                                   <m:sSubPr>
                                     <m:ctrlPr>
-                                      <a:rPr lang="en-US" i="1"/>
+                                      <a:rPr lang="en-US" i="1">
+                                        <a:latin typeface="Cambria Math"/>
+                                      </a:rPr>
                                     </m:ctrlPr>
                                   </m:sSubPr>
                                   <m:e>
                                     <m:r>
-                                      <a:rPr lang="en-US" i="1"/>
+                                      <a:rPr lang="en-US" i="1">
+                                        <a:latin typeface="Cambria Math"/>
+                                      </a:rPr>
                                       <m:t>𝑥</m:t>
                                     </m:r>
                                   </m:e>
                                   <m:sub>
                                     <m:r>
-                                      <a:rPr lang="en-US" i="1"/>
+                                      <a:rPr lang="en-US" i="1">
+                                        <a:latin typeface="Cambria Math"/>
+                                      </a:rPr>
                                       <m:t>1</m:t>
                                     </m:r>
                                   </m:sub>
@@ -4663,18 +4745,24 @@
                                 <m:sSub>
                                   <m:sSubPr>
                                     <m:ctrlPr>
-                                      <a:rPr lang="en-US" i="1"/>
+                                      <a:rPr lang="en-US" i="1">
+                                        <a:latin typeface="Cambria Math"/>
+                                      </a:rPr>
                                     </m:ctrlPr>
                                   </m:sSubPr>
                                   <m:e>
                                     <m:r>
-                                      <a:rPr lang="en-US" i="1"/>
+                                      <a:rPr lang="en-US" i="1">
+                                        <a:latin typeface="Cambria Math"/>
+                                      </a:rPr>
                                       <m:t>𝑦</m:t>
                                     </m:r>
                                   </m:e>
                                   <m:sub>
                                     <m:r>
-                                      <a:rPr lang="en-US" i="1"/>
+                                      <a:rPr lang="en-US" i="1">
+                                        <a:latin typeface="Cambria Math"/>
+                                      </a:rPr>
                                       <m:t>1</m:t>
                                     </m:r>
                                   </m:sub>
@@ -4682,48 +4770,64 @@
                               </m:e>
                               <m:e>
                                 <m:r>
-                                  <a:rPr lang="en-US" i="1"/>
+                                  <a:rPr lang="en-US" i="1">
+                                    <a:latin typeface="Cambria Math"/>
+                                  </a:rPr>
                                   <m:t>1</m:t>
                                 </m:r>
                               </m:e>
                               <m:e>
                                 <m:r>
-                                  <a:rPr lang="en-US" i="1"/>
+                                  <a:rPr lang="en-US" i="1">
+                                    <a:latin typeface="Cambria Math"/>
+                                  </a:rPr>
                                   <m:t>0</m:t>
                                 </m:r>
                               </m:e>
                               <m:e>
                                 <m:r>
-                                  <a:rPr lang="en-US" i="1"/>
+                                  <a:rPr lang="en-US" i="1">
+                                    <a:latin typeface="Cambria Math"/>
+                                  </a:rPr>
                                   <m:t>0</m:t>
                                 </m:r>
                               </m:e>
                               <m:e>
                                 <m:r>
-                                  <a:rPr lang="en-US" i="1"/>
+                                  <a:rPr lang="en-US" i="1">
+                                    <a:latin typeface="Cambria Math"/>
+                                  </a:rPr>
                                   <m:t>0</m:t>
                                 </m:r>
                               </m:e>
                               <m:e>
                                 <m:r>
-                                  <a:rPr lang="en-US" i="1"/>
+                                  <a:rPr lang="en-US" i="1">
+                                    <a:latin typeface="Cambria Math"/>
+                                  </a:rPr>
                                   <m:t>−</m:t>
                                 </m:r>
                                 <m:sSub>
                                   <m:sSubPr>
                                     <m:ctrlPr>
-                                      <a:rPr lang="en-US" i="1"/>
+                                      <a:rPr lang="en-US" i="1">
+                                        <a:latin typeface="Cambria Math"/>
+                                      </a:rPr>
                                     </m:ctrlPr>
                                   </m:sSubPr>
                                   <m:e>
                                     <m:r>
-                                      <a:rPr lang="en-US" i="1"/>
+                                      <a:rPr lang="en-US" i="1">
+                                        <a:latin typeface="Cambria Math"/>
+                                      </a:rPr>
                                       <m:t>𝑥</m:t>
                                     </m:r>
                                   </m:e>
                                   <m:sub>
                                     <m:r>
-                                      <a:rPr lang="en-US" i="1"/>
+                                      <a:rPr lang="en-US" i="1">
+                                        <a:latin typeface="Cambria Math"/>
+                                      </a:rPr>
                                       <m:t>1</m:t>
                                     </m:r>
                                   </m:sub>
@@ -4731,22 +4835,30 @@
                                 <m:sSub>
                                   <m:sSubPr>
                                     <m:ctrlPr>
-                                      <a:rPr lang="en-US" i="1"/>
+                                      <a:rPr lang="en-US" i="1">
+                                        <a:latin typeface="Cambria Math"/>
+                                      </a:rPr>
                                     </m:ctrlPr>
                                   </m:sSubPr>
                                   <m:e>
                                     <m:r>
-                                      <a:rPr lang="en-US" i="1"/>
+                                      <a:rPr lang="en-US" i="1">
+                                        <a:latin typeface="Cambria Math"/>
+                                      </a:rPr>
                                       <m:t>𝑥</m:t>
                                     </m:r>
                                     <m:r>
-                                      <a:rPr lang="en-US" i="1"/>
+                                      <a:rPr lang="en-US" i="1">
+                                        <a:latin typeface="Cambria Math"/>
+                                      </a:rPr>
                                       <m:t>′</m:t>
                                     </m:r>
                                   </m:e>
                                   <m:sub>
                                     <m:r>
-                                      <a:rPr lang="en-US" i="1"/>
+                                      <a:rPr lang="en-US" i="1">
+                                        <a:latin typeface="Cambria Math"/>
+                                      </a:rPr>
                                       <m:t>1</m:t>
                                     </m:r>
                                   </m:sub>
@@ -4754,24 +4866,32 @@
                               </m:e>
                               <m:e>
                                 <m:r>
-                                  <a:rPr lang="en-US" i="1"/>
+                                  <a:rPr lang="en-US" i="1">
+                                    <a:latin typeface="Cambria Math"/>
+                                  </a:rPr>
                                   <m:t>−</m:t>
                                 </m:r>
                                 <m:sSub>
                                   <m:sSubPr>
                                     <m:ctrlPr>
-                                      <a:rPr lang="en-US" i="1"/>
+                                      <a:rPr lang="en-US" i="1">
+                                        <a:latin typeface="Cambria Math"/>
+                                      </a:rPr>
                                     </m:ctrlPr>
                                   </m:sSubPr>
                                   <m:e>
                                     <m:r>
-                                      <a:rPr lang="en-US" i="1"/>
+                                      <a:rPr lang="en-US" i="1">
+                                        <a:latin typeface="Cambria Math"/>
+                                      </a:rPr>
                                       <m:t>𝑦</m:t>
                                     </m:r>
                                   </m:e>
                                   <m:sub>
                                     <m:r>
-                                      <a:rPr lang="en-US" i="1"/>
+                                      <a:rPr lang="en-US" i="1">
+                                        <a:latin typeface="Cambria Math"/>
+                                      </a:rPr>
                                       <m:t>1</m:t>
                                     </m:r>
                                   </m:sub>
@@ -4779,22 +4899,30 @@
                                 <m:sSub>
                                   <m:sSubPr>
                                     <m:ctrlPr>
-                                      <a:rPr lang="en-US" i="1"/>
+                                      <a:rPr lang="en-US" i="1">
+                                        <a:latin typeface="Cambria Math"/>
+                                      </a:rPr>
                                     </m:ctrlPr>
                                   </m:sSubPr>
                                   <m:e>
                                     <m:r>
-                                      <a:rPr lang="en-US" i="1"/>
+                                      <a:rPr lang="en-US" i="1">
+                                        <a:latin typeface="Cambria Math"/>
+                                      </a:rPr>
                                       <m:t>𝑥</m:t>
                                     </m:r>
                                     <m:r>
-                                      <a:rPr lang="en-US" i="1"/>
+                                      <a:rPr lang="en-US" i="1">
+                                        <a:latin typeface="Cambria Math"/>
+                                      </a:rPr>
                                       <m:t>′</m:t>
                                     </m:r>
                                   </m:e>
                                   <m:sub>
                                     <m:r>
-                                      <a:rPr lang="en-US" i="1"/>
+                                      <a:rPr lang="en-US" i="1">
+                                        <a:latin typeface="Cambria Math"/>
+                                      </a:rPr>
                                       <m:t>1</m:t>
                                     </m:r>
                                   </m:sub>
@@ -4804,19 +4932,25 @@
                             <m:mr>
                               <m:e>
                                 <m:r>
-                                  <a:rPr lang="en-US" i="1"/>
+                                  <a:rPr lang="en-US" i="1">
+                                    <a:latin typeface="Cambria Math"/>
+                                  </a:rPr>
                                   <m:t>0</m:t>
                                 </m:r>
                               </m:e>
                               <m:e>
                                 <m:r>
-                                  <a:rPr lang="en-US" i="1"/>
+                                  <a:rPr lang="en-US" i="1">
+                                    <a:latin typeface="Cambria Math"/>
+                                  </a:rPr>
                                   <m:t>0</m:t>
                                 </m:r>
                               </m:e>
                               <m:e>
                                 <m:r>
-                                  <a:rPr lang="en-US" i="1"/>
+                                  <a:rPr lang="en-US" i="1">
+                                    <a:latin typeface="Cambria Math"/>
+                                  </a:rPr>
                                   <m:t>0</m:t>
                                 </m:r>
                               </m:e>
@@ -4824,18 +4958,24 @@
                                 <m:sSub>
                                   <m:sSubPr>
                                     <m:ctrlPr>
-                                      <a:rPr lang="en-US" i="1"/>
+                                      <a:rPr lang="en-US" i="1">
+                                        <a:latin typeface="Cambria Math"/>
+                                      </a:rPr>
                                     </m:ctrlPr>
                                   </m:sSubPr>
                                   <m:e>
                                     <m:r>
-                                      <a:rPr lang="en-US" i="1"/>
+                                      <a:rPr lang="en-US" i="1">
+                                        <a:latin typeface="Cambria Math"/>
+                                      </a:rPr>
                                       <m:t>𝑥</m:t>
                                     </m:r>
                                   </m:e>
                                   <m:sub>
                                     <m:r>
-                                      <a:rPr lang="en-US" i="1"/>
+                                      <a:rPr lang="en-US" i="1">
+                                        <a:latin typeface="Cambria Math"/>
+                                      </a:rPr>
                                       <m:t>1</m:t>
                                     </m:r>
                                   </m:sub>
@@ -4845,18 +4985,24 @@
                                 <m:sSub>
                                   <m:sSubPr>
                                     <m:ctrlPr>
-                                      <a:rPr lang="en-US" i="1"/>
+                                      <a:rPr lang="en-US" i="1">
+                                        <a:latin typeface="Cambria Math"/>
+                                      </a:rPr>
                                     </m:ctrlPr>
                                   </m:sSubPr>
                                   <m:e>
                                     <m:r>
-                                      <a:rPr lang="en-US" i="1"/>
+                                      <a:rPr lang="en-US" i="1">
+                                        <a:latin typeface="Cambria Math"/>
+                                      </a:rPr>
                                       <m:t>𝑦</m:t>
                                     </m:r>
                                   </m:e>
                                   <m:sub>
                                     <m:r>
-                                      <a:rPr lang="en-US" i="1"/>
+                                      <a:rPr lang="en-US" i="1">
+                                        <a:latin typeface="Cambria Math"/>
+                                      </a:rPr>
                                       <m:t>1</m:t>
                                     </m:r>
                                   </m:sub>
@@ -4864,30 +5010,40 @@
                               </m:e>
                               <m:e>
                                 <m:r>
-                                  <a:rPr lang="en-US" i="1"/>
+                                  <a:rPr lang="en-US" i="1">
+                                    <a:latin typeface="Cambria Math"/>
+                                  </a:rPr>
                                   <m:t>1</m:t>
                                 </m:r>
                               </m:e>
                               <m:e>
                                 <m:r>
-                                  <a:rPr lang="en-US" i="1"/>
+                                  <a:rPr lang="en-US" i="1">
+                                    <a:latin typeface="Cambria Math"/>
+                                  </a:rPr>
                                   <m:t>−</m:t>
                                 </m:r>
                                 <m:sSub>
                                   <m:sSubPr>
                                     <m:ctrlPr>
-                                      <a:rPr lang="en-US" i="1"/>
+                                      <a:rPr lang="en-US" i="1">
+                                        <a:latin typeface="Cambria Math"/>
+                                      </a:rPr>
                                     </m:ctrlPr>
                                   </m:sSubPr>
                                   <m:e>
                                     <m:r>
-                                      <a:rPr lang="en-US" i="1"/>
+                                      <a:rPr lang="en-US" i="1">
+                                        <a:latin typeface="Cambria Math"/>
+                                      </a:rPr>
                                       <m:t>𝑥</m:t>
                                     </m:r>
                                   </m:e>
                                   <m:sub>
                                     <m:r>
-                                      <a:rPr lang="en-US" i="1"/>
+                                      <a:rPr lang="en-US" i="1">
+                                        <a:latin typeface="Cambria Math"/>
+                                      </a:rPr>
                                       <m:t>1</m:t>
                                     </m:r>
                                   </m:sub>
@@ -4895,22 +5051,30 @@
                                 <m:sSub>
                                   <m:sSubPr>
                                     <m:ctrlPr>
-                                      <a:rPr lang="en-US" i="1"/>
+                                      <a:rPr lang="en-US" i="1">
+                                        <a:latin typeface="Cambria Math"/>
+                                      </a:rPr>
                                     </m:ctrlPr>
                                   </m:sSubPr>
                                   <m:e>
                                     <m:r>
-                                      <a:rPr lang="en-US" i="1"/>
+                                      <a:rPr lang="en-US" i="1">
+                                        <a:latin typeface="Cambria Math"/>
+                                      </a:rPr>
                                       <m:t>𝑦</m:t>
                                     </m:r>
                                     <m:r>
-                                      <a:rPr lang="en-US" i="1"/>
+                                      <a:rPr lang="en-US" i="1">
+                                        <a:latin typeface="Cambria Math"/>
+                                      </a:rPr>
                                       <m:t>′</m:t>
                                     </m:r>
                                   </m:e>
                                   <m:sub>
                                     <m:r>
-                                      <a:rPr lang="en-US" i="1"/>
+                                      <a:rPr lang="en-US" i="1">
+                                        <a:latin typeface="Cambria Math"/>
+                                      </a:rPr>
                                       <m:t>1</m:t>
                                     </m:r>
                                   </m:sub>
@@ -4918,24 +5082,32 @@
                               </m:e>
                               <m:e>
                                 <m:r>
-                                  <a:rPr lang="en-US" i="1"/>
+                                  <a:rPr lang="en-US" i="1">
+                                    <a:latin typeface="Cambria Math"/>
+                                  </a:rPr>
                                   <m:t>−</m:t>
                                 </m:r>
                                 <m:sSub>
                                   <m:sSubPr>
                                     <m:ctrlPr>
-                                      <a:rPr lang="en-US" i="1"/>
+                                      <a:rPr lang="en-US" i="1">
+                                        <a:latin typeface="Cambria Math"/>
+                                      </a:rPr>
                                     </m:ctrlPr>
                                   </m:sSubPr>
                                   <m:e>
                                     <m:r>
-                                      <a:rPr lang="en-US" i="1"/>
+                                      <a:rPr lang="en-US" i="1">
+                                        <a:latin typeface="Cambria Math"/>
+                                      </a:rPr>
                                       <m:t>𝑦</m:t>
                                     </m:r>
                                   </m:e>
                                   <m:sub>
                                     <m:r>
-                                      <a:rPr lang="en-US" i="1"/>
+                                      <a:rPr lang="en-US" i="1">
+                                        <a:latin typeface="Cambria Math"/>
+                                      </a:rPr>
                                       <m:t>1</m:t>
                                     </m:r>
                                   </m:sub>
@@ -4943,22 +5115,30 @@
                                 <m:sSub>
                                   <m:sSubPr>
                                     <m:ctrlPr>
-                                      <a:rPr lang="en-US" i="1"/>
+                                      <a:rPr lang="en-US" i="1">
+                                        <a:latin typeface="Cambria Math"/>
+                                      </a:rPr>
                                     </m:ctrlPr>
                                   </m:sSubPr>
                                   <m:e>
                                     <m:r>
-                                      <a:rPr lang="en-US" i="1"/>
+                                      <a:rPr lang="en-US" i="1">
+                                        <a:latin typeface="Cambria Math"/>
+                                      </a:rPr>
                                       <m:t>𝑦</m:t>
                                     </m:r>
                                     <m:r>
-                                      <a:rPr lang="en-US" i="1"/>
+                                      <a:rPr lang="en-US" i="1">
+                                        <a:latin typeface="Cambria Math"/>
+                                      </a:rPr>
                                       <m:t>′</m:t>
                                     </m:r>
                                   </m:e>
                                   <m:sub>
                                     <m:r>
-                                      <a:rPr lang="en-US" i="1"/>
+                                      <a:rPr lang="en-US" i="1">
+                                        <a:latin typeface="Cambria Math"/>
+                                      </a:rPr>
                                       <m:t>1</m:t>
                                     </m:r>
                                   </m:sub>
@@ -4970,18 +5150,24 @@
                                 <m:sSub>
                                   <m:sSubPr>
                                     <m:ctrlPr>
-                                      <a:rPr lang="en-US" i="1"/>
+                                      <a:rPr lang="en-US" i="1">
+                                        <a:latin typeface="Cambria Math"/>
+                                      </a:rPr>
                                     </m:ctrlPr>
                                   </m:sSubPr>
                                   <m:e>
                                     <m:r>
-                                      <a:rPr lang="en-US" i="1"/>
+                                      <a:rPr lang="en-US" i="1">
+                                        <a:latin typeface="Cambria Math"/>
+                                      </a:rPr>
                                       <m:t>𝑥</m:t>
                                     </m:r>
                                   </m:e>
                                   <m:sub>
                                     <m:r>
-                                      <a:rPr lang="en-US" i="1"/>
+                                      <a:rPr lang="en-US" i="1">
+                                        <a:latin typeface="Cambria Math"/>
+                                      </a:rPr>
                                       <m:t>2</m:t>
                                     </m:r>
                                   </m:sub>
@@ -4991,18 +5177,24 @@
                                 <m:sSub>
                                   <m:sSubPr>
                                     <m:ctrlPr>
-                                      <a:rPr lang="en-US" i="1"/>
+                                      <a:rPr lang="en-US" i="1">
+                                        <a:latin typeface="Cambria Math"/>
+                                      </a:rPr>
                                     </m:ctrlPr>
                                   </m:sSubPr>
                                   <m:e>
                                     <m:r>
-                                      <a:rPr lang="en-US" i="1"/>
+                                      <a:rPr lang="en-US" i="1">
+                                        <a:latin typeface="Cambria Math"/>
+                                      </a:rPr>
                                       <m:t>𝑦</m:t>
                                     </m:r>
                                   </m:e>
                                   <m:sub>
                                     <m:r>
-                                      <a:rPr lang="en-US" i="1"/>
+                                      <a:rPr lang="en-US" i="1">
+                                        <a:latin typeface="Cambria Math"/>
+                                      </a:rPr>
                                       <m:t>2</m:t>
                                     </m:r>
                                   </m:sub>
@@ -5010,48 +5202,64 @@
                               </m:e>
                               <m:e>
                                 <m:r>
-                                  <a:rPr lang="en-US" i="1"/>
+                                  <a:rPr lang="en-US" i="1">
+                                    <a:latin typeface="Cambria Math"/>
+                                  </a:rPr>
                                   <m:t>1</m:t>
                                 </m:r>
                               </m:e>
                               <m:e>
                                 <m:r>
-                                  <a:rPr lang="en-US" i="1"/>
+                                  <a:rPr lang="en-US" i="1">
+                                    <a:latin typeface="Cambria Math"/>
+                                  </a:rPr>
                                   <m:t>0</m:t>
                                 </m:r>
                               </m:e>
                               <m:e>
                                 <m:r>
-                                  <a:rPr lang="en-US" i="1"/>
+                                  <a:rPr lang="en-US" i="1">
+                                    <a:latin typeface="Cambria Math"/>
+                                  </a:rPr>
                                   <m:t>0</m:t>
                                 </m:r>
                               </m:e>
                               <m:e>
                                 <m:r>
-                                  <a:rPr lang="en-US" i="1"/>
+                                  <a:rPr lang="en-US" i="1">
+                                    <a:latin typeface="Cambria Math"/>
+                                  </a:rPr>
                                   <m:t>0</m:t>
                                 </m:r>
                               </m:e>
                               <m:e>
                                 <m:r>
-                                  <a:rPr lang="en-US" i="1"/>
+                                  <a:rPr lang="en-US" i="1">
+                                    <a:latin typeface="Cambria Math"/>
+                                  </a:rPr>
                                   <m:t>−</m:t>
                                 </m:r>
                                 <m:sSub>
                                   <m:sSubPr>
                                     <m:ctrlPr>
-                                      <a:rPr lang="en-US" i="1"/>
+                                      <a:rPr lang="en-US" i="1">
+                                        <a:latin typeface="Cambria Math"/>
+                                      </a:rPr>
                                     </m:ctrlPr>
                                   </m:sSubPr>
                                   <m:e>
                                     <m:r>
-                                      <a:rPr lang="en-US" i="1"/>
+                                      <a:rPr lang="en-US" i="1">
+                                        <a:latin typeface="Cambria Math"/>
+                                      </a:rPr>
                                       <m:t>𝑥</m:t>
                                     </m:r>
                                   </m:e>
                                   <m:sub>
                                     <m:r>
-                                      <a:rPr lang="en-US" i="1"/>
+                                      <a:rPr lang="en-US" i="1">
+                                        <a:latin typeface="Cambria Math"/>
+                                      </a:rPr>
                                       <m:t>2</m:t>
                                     </m:r>
                                   </m:sub>
@@ -5059,22 +5267,30 @@
                                 <m:sSub>
                                   <m:sSubPr>
                                     <m:ctrlPr>
-                                      <a:rPr lang="en-US" i="1"/>
+                                      <a:rPr lang="en-US" i="1">
+                                        <a:latin typeface="Cambria Math"/>
+                                      </a:rPr>
                                     </m:ctrlPr>
                                   </m:sSubPr>
                                   <m:e>
                                     <m:r>
-                                      <a:rPr lang="en-US" i="1"/>
+                                      <a:rPr lang="en-US" i="1">
+                                        <a:latin typeface="Cambria Math"/>
+                                      </a:rPr>
                                       <m:t>𝑥</m:t>
                                     </m:r>
                                     <m:r>
-                                      <a:rPr lang="en-US" i="1"/>
+                                      <a:rPr lang="en-US" i="1">
+                                        <a:latin typeface="Cambria Math"/>
+                                      </a:rPr>
                                       <m:t>′</m:t>
                                     </m:r>
                                   </m:e>
                                   <m:sub>
                                     <m:r>
-                                      <a:rPr lang="en-US" i="1"/>
+                                      <a:rPr lang="en-US" i="1">
+                                        <a:latin typeface="Cambria Math"/>
+                                      </a:rPr>
                                       <m:t>2</m:t>
                                     </m:r>
                                   </m:sub>
@@ -5082,24 +5298,32 @@
                               </m:e>
                               <m:e>
                                 <m:r>
-                                  <a:rPr lang="en-US" i="1"/>
+                                  <a:rPr lang="en-US" i="1">
+                                    <a:latin typeface="Cambria Math"/>
+                                  </a:rPr>
                                   <m:t>−</m:t>
                                 </m:r>
                                 <m:sSub>
                                   <m:sSubPr>
                                     <m:ctrlPr>
-                                      <a:rPr lang="en-US" i="1"/>
+                                      <a:rPr lang="en-US" i="1">
+                                        <a:latin typeface="Cambria Math"/>
+                                      </a:rPr>
                                     </m:ctrlPr>
                                   </m:sSubPr>
                                   <m:e>
                                     <m:r>
-                                      <a:rPr lang="en-US" i="1"/>
+                                      <a:rPr lang="en-US" i="1">
+                                        <a:latin typeface="Cambria Math"/>
+                                      </a:rPr>
                                       <m:t>𝑦</m:t>
                                     </m:r>
                                   </m:e>
                                   <m:sub>
                                     <m:r>
-                                      <a:rPr lang="en-US" i="1"/>
+                                      <a:rPr lang="en-US" i="1">
+                                        <a:latin typeface="Cambria Math"/>
+                                      </a:rPr>
                                       <m:t>2</m:t>
                                     </m:r>
                                   </m:sub>
@@ -5107,22 +5331,30 @@
                                 <m:sSub>
                                   <m:sSubPr>
                                     <m:ctrlPr>
-                                      <a:rPr lang="en-US" i="1"/>
+                                      <a:rPr lang="en-US" i="1">
+                                        <a:latin typeface="Cambria Math"/>
+                                      </a:rPr>
                                     </m:ctrlPr>
                                   </m:sSubPr>
                                   <m:e>
                                     <m:r>
-                                      <a:rPr lang="en-US" i="1"/>
+                                      <a:rPr lang="en-US" i="1">
+                                        <a:latin typeface="Cambria Math"/>
+                                      </a:rPr>
                                       <m:t>𝑥</m:t>
                                     </m:r>
                                     <m:r>
-                                      <a:rPr lang="en-US" i="1"/>
+                                      <a:rPr lang="en-US" i="1">
+                                        <a:latin typeface="Cambria Math"/>
+                                      </a:rPr>
                                       <m:t>′</m:t>
                                     </m:r>
                                   </m:e>
                                   <m:sub>
                                     <m:r>
-                                      <a:rPr lang="en-US" i="1"/>
+                                      <a:rPr lang="en-US" i="1">
+                                        <a:latin typeface="Cambria Math"/>
+                                      </a:rPr>
                                       <m:t>2</m:t>
                                     </m:r>
                                   </m:sub>
@@ -5132,19 +5364,25 @@
                             <m:mr>
                               <m:e>
                                 <m:r>
-                                  <a:rPr lang="en-US" i="1"/>
+                                  <a:rPr lang="en-US" i="1">
+                                    <a:latin typeface="Cambria Math"/>
+                                  </a:rPr>
                                   <m:t>0</m:t>
                                 </m:r>
                               </m:e>
                               <m:e>
                                 <m:r>
-                                  <a:rPr lang="en-US" i="1"/>
+                                  <a:rPr lang="en-US" i="1">
+                                    <a:latin typeface="Cambria Math"/>
+                                  </a:rPr>
                                   <m:t>0</m:t>
                                 </m:r>
                               </m:e>
                               <m:e>
                                 <m:r>
-                                  <a:rPr lang="en-US" i="1"/>
+                                  <a:rPr lang="en-US" i="1">
+                                    <a:latin typeface="Cambria Math"/>
+                                  </a:rPr>
                                   <m:t>0</m:t>
                                 </m:r>
                               </m:e>
@@ -5152,18 +5390,24 @@
                                 <m:sSub>
                                   <m:sSubPr>
                                     <m:ctrlPr>
-                                      <a:rPr lang="en-US" i="1"/>
+                                      <a:rPr lang="en-US" i="1">
+                                        <a:latin typeface="Cambria Math"/>
+                                      </a:rPr>
                                     </m:ctrlPr>
                                   </m:sSubPr>
                                   <m:e>
                                     <m:r>
-                                      <a:rPr lang="en-US" i="1"/>
+                                      <a:rPr lang="en-US" i="1">
+                                        <a:latin typeface="Cambria Math"/>
+                                      </a:rPr>
                                       <m:t>𝑥</m:t>
                                     </m:r>
                                   </m:e>
                                   <m:sub>
                                     <m:r>
-                                      <a:rPr lang="en-US" i="1"/>
+                                      <a:rPr lang="en-US" i="1">
+                                        <a:latin typeface="Cambria Math"/>
+                                      </a:rPr>
                                       <m:t>2</m:t>
                                     </m:r>
                                   </m:sub>
@@ -5173,18 +5417,24 @@
                                 <m:sSub>
                                   <m:sSubPr>
                                     <m:ctrlPr>
-                                      <a:rPr lang="en-US" i="1"/>
+                                      <a:rPr lang="en-US" i="1">
+                                        <a:latin typeface="Cambria Math"/>
+                                      </a:rPr>
                                     </m:ctrlPr>
                                   </m:sSubPr>
                                   <m:e>
                                     <m:r>
-                                      <a:rPr lang="en-US" i="1"/>
+                                      <a:rPr lang="en-US" i="1">
+                                        <a:latin typeface="Cambria Math"/>
+                                      </a:rPr>
                                       <m:t>𝑦</m:t>
                                     </m:r>
                                   </m:e>
                                   <m:sub>
                                     <m:r>
-                                      <a:rPr lang="en-US" i="1"/>
+                                      <a:rPr lang="en-US" i="1">
+                                        <a:latin typeface="Cambria Math"/>
+                                      </a:rPr>
                                       <m:t>2</m:t>
                                     </m:r>
                                   </m:sub>
@@ -5192,30 +5442,40 @@
                               </m:e>
                               <m:e>
                                 <m:r>
-                                  <a:rPr lang="en-US" i="1"/>
+                                  <a:rPr lang="en-US" i="1">
+                                    <a:latin typeface="Cambria Math"/>
+                                  </a:rPr>
                                   <m:t>1</m:t>
                                 </m:r>
                               </m:e>
                               <m:e>
                                 <m:r>
-                                  <a:rPr lang="en-US" i="1"/>
+                                  <a:rPr lang="en-US" i="1">
+                                    <a:latin typeface="Cambria Math"/>
+                                  </a:rPr>
                                   <m:t>−</m:t>
                                 </m:r>
                                 <m:sSub>
                                   <m:sSubPr>
                                     <m:ctrlPr>
-                                      <a:rPr lang="en-US" i="1"/>
+                                      <a:rPr lang="en-US" i="1">
+                                        <a:latin typeface="Cambria Math"/>
+                                      </a:rPr>
                                     </m:ctrlPr>
                                   </m:sSubPr>
                                   <m:e>
                                     <m:r>
-                                      <a:rPr lang="en-US" i="1"/>
+                                      <a:rPr lang="en-US" i="1">
+                                        <a:latin typeface="Cambria Math"/>
+                                      </a:rPr>
                                       <m:t>𝑥</m:t>
                                     </m:r>
                                   </m:e>
                                   <m:sub>
                                     <m:r>
-                                      <a:rPr lang="en-US" i="1"/>
+                                      <a:rPr lang="en-US" i="1">
+                                        <a:latin typeface="Cambria Math"/>
+                                      </a:rPr>
                                       <m:t>2</m:t>
                                     </m:r>
                                   </m:sub>
@@ -5223,22 +5483,30 @@
                                 <m:sSub>
                                   <m:sSubPr>
                                     <m:ctrlPr>
-                                      <a:rPr lang="en-US" i="1"/>
+                                      <a:rPr lang="en-US" i="1">
+                                        <a:latin typeface="Cambria Math"/>
+                                      </a:rPr>
                                     </m:ctrlPr>
                                   </m:sSubPr>
                                   <m:e>
                                     <m:r>
-                                      <a:rPr lang="en-US" i="1"/>
+                                      <a:rPr lang="en-US" i="1">
+                                        <a:latin typeface="Cambria Math"/>
+                                      </a:rPr>
                                       <m:t>𝑦</m:t>
                                     </m:r>
                                     <m:r>
-                                      <a:rPr lang="en-US" i="1"/>
+                                      <a:rPr lang="en-US" i="1">
+                                        <a:latin typeface="Cambria Math"/>
+                                      </a:rPr>
                                       <m:t>′</m:t>
                                     </m:r>
                                   </m:e>
                                   <m:sub>
                                     <m:r>
-                                      <a:rPr lang="en-US" i="1"/>
+                                      <a:rPr lang="en-US" i="1">
+                                        <a:latin typeface="Cambria Math"/>
+                                      </a:rPr>
                                       <m:t>2</m:t>
                                     </m:r>
                                   </m:sub>
@@ -5246,24 +5514,32 @@
                               </m:e>
                               <m:e>
                                 <m:r>
-                                  <a:rPr lang="en-US" i="1"/>
+                                  <a:rPr lang="en-US" i="1">
+                                    <a:latin typeface="Cambria Math"/>
+                                  </a:rPr>
                                   <m:t>−</m:t>
                                 </m:r>
                                 <m:sSub>
                                   <m:sSubPr>
                                     <m:ctrlPr>
-                                      <a:rPr lang="en-US" i="1"/>
+                                      <a:rPr lang="en-US" i="1">
+                                        <a:latin typeface="Cambria Math"/>
+                                      </a:rPr>
                                     </m:ctrlPr>
                                   </m:sSubPr>
                                   <m:e>
                                     <m:r>
-                                      <a:rPr lang="en-US" i="1"/>
+                                      <a:rPr lang="en-US" i="1">
+                                        <a:latin typeface="Cambria Math"/>
+                                      </a:rPr>
                                       <m:t>𝑦</m:t>
                                     </m:r>
                                   </m:e>
                                   <m:sub>
                                     <m:r>
-                                      <a:rPr lang="en-US" i="1"/>
+                                      <a:rPr lang="en-US" i="1">
+                                        <a:latin typeface="Cambria Math"/>
+                                      </a:rPr>
                                       <m:t>2</m:t>
                                     </m:r>
                                   </m:sub>
@@ -5271,22 +5547,30 @@
                                 <m:sSub>
                                   <m:sSubPr>
                                     <m:ctrlPr>
-                                      <a:rPr lang="en-US" i="1"/>
+                                      <a:rPr lang="en-US" i="1">
+                                        <a:latin typeface="Cambria Math"/>
+                                      </a:rPr>
                                     </m:ctrlPr>
                                   </m:sSubPr>
                                   <m:e>
                                     <m:r>
-                                      <a:rPr lang="en-US" i="1"/>
+                                      <a:rPr lang="en-US" i="1">
+                                        <a:latin typeface="Cambria Math"/>
+                                      </a:rPr>
                                       <m:t>𝑦</m:t>
                                     </m:r>
                                     <m:r>
-                                      <a:rPr lang="en-US" i="1"/>
+                                      <a:rPr lang="en-US" i="1">
+                                        <a:latin typeface="Cambria Math"/>
+                                      </a:rPr>
                                       <m:t>′</m:t>
                                     </m:r>
                                   </m:e>
                                   <m:sub>
                                     <m:r>
-                                      <a:rPr lang="en-US" i="1"/>
+                                      <a:rPr lang="en-US" i="1">
+                                        <a:latin typeface="Cambria Math"/>
+                                      </a:rPr>
                                       <m:t>2</m:t>
                                     </m:r>
                                   </m:sub>
@@ -5298,18 +5582,24 @@
                                 <m:sSub>
                                   <m:sSubPr>
                                     <m:ctrlPr>
-                                      <a:rPr lang="en-US" i="1"/>
+                                      <a:rPr lang="en-US" i="1">
+                                        <a:latin typeface="Cambria Math"/>
+                                      </a:rPr>
                                     </m:ctrlPr>
                                   </m:sSubPr>
                                   <m:e>
                                     <m:r>
-                                      <a:rPr lang="en-US" i="1"/>
+                                      <a:rPr lang="en-US" i="1">
+                                        <a:latin typeface="Cambria Math"/>
+                                      </a:rPr>
                                       <m:t>𝑥</m:t>
                                     </m:r>
                                   </m:e>
                                   <m:sub>
                                     <m:r>
-                                      <a:rPr lang="en-US" i="1"/>
+                                      <a:rPr lang="en-US" i="1">
+                                        <a:latin typeface="Cambria Math"/>
+                                      </a:rPr>
                                       <m:t>3</m:t>
                                     </m:r>
                                   </m:sub>
@@ -5319,18 +5609,24 @@
                                 <m:sSub>
                                   <m:sSubPr>
                                     <m:ctrlPr>
-                                      <a:rPr lang="en-US" i="1"/>
+                                      <a:rPr lang="en-US" i="1">
+                                        <a:latin typeface="Cambria Math"/>
+                                      </a:rPr>
                                     </m:ctrlPr>
                                   </m:sSubPr>
                                   <m:e>
                                     <m:r>
-                                      <a:rPr lang="en-US" i="1"/>
+                                      <a:rPr lang="en-US" i="1">
+                                        <a:latin typeface="Cambria Math"/>
+                                      </a:rPr>
                                       <m:t>𝑦</m:t>
                                     </m:r>
                                   </m:e>
                                   <m:sub>
                                     <m:r>
-                                      <a:rPr lang="en-US" i="1"/>
+                                      <a:rPr lang="en-US" i="1">
+                                        <a:latin typeface="Cambria Math"/>
+                                      </a:rPr>
                                       <m:t>3</m:t>
                                     </m:r>
                                   </m:sub>
@@ -5338,48 +5634,64 @@
                               </m:e>
                               <m:e>
                                 <m:r>
-                                  <a:rPr lang="en-US" i="1"/>
+                                  <a:rPr lang="en-US" i="1">
+                                    <a:latin typeface="Cambria Math"/>
+                                  </a:rPr>
                                   <m:t>1</m:t>
                                 </m:r>
                               </m:e>
                               <m:e>
                                 <m:r>
-                                  <a:rPr lang="en-US" i="1"/>
+                                  <a:rPr lang="en-US" i="1">
+                                    <a:latin typeface="Cambria Math"/>
+                                  </a:rPr>
                                   <m:t>0</m:t>
                                 </m:r>
                               </m:e>
                               <m:e>
                                 <m:r>
-                                  <a:rPr lang="en-US" i="1"/>
+                                  <a:rPr lang="en-US" i="1">
+                                    <a:latin typeface="Cambria Math"/>
+                                  </a:rPr>
                                   <m:t>0</m:t>
                                 </m:r>
                               </m:e>
                               <m:e>
                                 <m:r>
-                                  <a:rPr lang="en-US" i="1"/>
+                                  <a:rPr lang="en-US" i="1">
+                                    <a:latin typeface="Cambria Math"/>
+                                  </a:rPr>
                                   <m:t>0</m:t>
                                 </m:r>
                               </m:e>
                               <m:e>
                                 <m:r>
-                                  <a:rPr lang="en-US" i="1"/>
+                                  <a:rPr lang="en-US" i="1">
+                                    <a:latin typeface="Cambria Math"/>
+                                  </a:rPr>
                                   <m:t>−</m:t>
                                 </m:r>
                                 <m:sSub>
                                   <m:sSubPr>
                                     <m:ctrlPr>
-                                      <a:rPr lang="en-US" i="1"/>
+                                      <a:rPr lang="en-US" i="1">
+                                        <a:latin typeface="Cambria Math"/>
+                                      </a:rPr>
                                     </m:ctrlPr>
                                   </m:sSubPr>
                                   <m:e>
                                     <m:r>
-                                      <a:rPr lang="en-US" i="1"/>
+                                      <a:rPr lang="en-US" i="1">
+                                        <a:latin typeface="Cambria Math"/>
+                                      </a:rPr>
                                       <m:t>𝑥</m:t>
                                     </m:r>
                                   </m:e>
                                   <m:sub>
                                     <m:r>
-                                      <a:rPr lang="en-US" i="1"/>
+                                      <a:rPr lang="en-US" i="1">
+                                        <a:latin typeface="Cambria Math"/>
+                                      </a:rPr>
                                       <m:t>3</m:t>
                                     </m:r>
                                   </m:sub>
@@ -5387,22 +5699,30 @@
                                 <m:sSub>
                                   <m:sSubPr>
                                     <m:ctrlPr>
-                                      <a:rPr lang="en-US" i="1"/>
+                                      <a:rPr lang="en-US" i="1">
+                                        <a:latin typeface="Cambria Math"/>
+                                      </a:rPr>
                                     </m:ctrlPr>
                                   </m:sSubPr>
                                   <m:e>
                                     <m:r>
-                                      <a:rPr lang="en-US" i="1"/>
+                                      <a:rPr lang="en-US" i="1">
+                                        <a:latin typeface="Cambria Math"/>
+                                      </a:rPr>
                                       <m:t>𝑥</m:t>
                                     </m:r>
                                     <m:r>
-                                      <a:rPr lang="en-US" i="1"/>
+                                      <a:rPr lang="en-US" i="1">
+                                        <a:latin typeface="Cambria Math"/>
+                                      </a:rPr>
                                       <m:t>′</m:t>
                                     </m:r>
                                   </m:e>
                                   <m:sub>
                                     <m:r>
-                                      <a:rPr lang="en-US" i="1"/>
+                                      <a:rPr lang="en-US" i="1">
+                                        <a:latin typeface="Cambria Math"/>
+                                      </a:rPr>
                                       <m:t>3</m:t>
                                     </m:r>
                                   </m:sub>
@@ -5410,24 +5730,32 @@
                               </m:e>
                               <m:e>
                                 <m:r>
-                                  <a:rPr lang="en-US" i="1"/>
+                                  <a:rPr lang="en-US" i="1">
+                                    <a:latin typeface="Cambria Math"/>
+                                  </a:rPr>
                                   <m:t>−</m:t>
                                 </m:r>
                                 <m:sSub>
                                   <m:sSubPr>
                                     <m:ctrlPr>
-                                      <a:rPr lang="en-US" i="1"/>
+                                      <a:rPr lang="en-US" i="1">
+                                        <a:latin typeface="Cambria Math"/>
+                                      </a:rPr>
                                     </m:ctrlPr>
                                   </m:sSubPr>
                                   <m:e>
                                     <m:r>
-                                      <a:rPr lang="en-US" i="1"/>
+                                      <a:rPr lang="en-US" i="1">
+                                        <a:latin typeface="Cambria Math"/>
+                                      </a:rPr>
                                       <m:t>𝑦</m:t>
                                     </m:r>
                                   </m:e>
                                   <m:sub>
                                     <m:r>
-                                      <a:rPr lang="en-US" i="1"/>
+                                      <a:rPr lang="en-US" i="1">
+                                        <a:latin typeface="Cambria Math"/>
+                                      </a:rPr>
                                       <m:t>3</m:t>
                                     </m:r>
                                   </m:sub>
@@ -5435,22 +5763,30 @@
                                 <m:sSub>
                                   <m:sSubPr>
                                     <m:ctrlPr>
-                                      <a:rPr lang="en-US" i="1"/>
+                                      <a:rPr lang="en-US" i="1">
+                                        <a:latin typeface="Cambria Math"/>
+                                      </a:rPr>
                                     </m:ctrlPr>
                                   </m:sSubPr>
                                   <m:e>
                                     <m:r>
-                                      <a:rPr lang="en-US" i="1"/>
+                                      <a:rPr lang="en-US" i="1">
+                                        <a:latin typeface="Cambria Math"/>
+                                      </a:rPr>
                                       <m:t>𝑥</m:t>
                                     </m:r>
                                     <m:r>
-                                      <a:rPr lang="en-US" i="1"/>
+                                      <a:rPr lang="en-US" i="1">
+                                        <a:latin typeface="Cambria Math"/>
+                                      </a:rPr>
                                       <m:t>′</m:t>
                                     </m:r>
                                   </m:e>
                                   <m:sub>
                                     <m:r>
-                                      <a:rPr lang="en-US" i="1"/>
+                                      <a:rPr lang="en-US" i="1">
+                                        <a:latin typeface="Cambria Math"/>
+                                      </a:rPr>
                                       <m:t>3</m:t>
                                     </m:r>
                                   </m:sub>
@@ -5460,19 +5796,25 @@
                             <m:mr>
                               <m:e>
                                 <m:r>
-                                  <a:rPr lang="en-US" i="1"/>
+                                  <a:rPr lang="en-US" i="1">
+                                    <a:latin typeface="Cambria Math"/>
+                                  </a:rPr>
                                   <m:t>0</m:t>
                                 </m:r>
                               </m:e>
                               <m:e>
                                 <m:r>
-                                  <a:rPr lang="en-US" i="1"/>
+                                  <a:rPr lang="en-US" i="1">
+                                    <a:latin typeface="Cambria Math"/>
+                                  </a:rPr>
                                   <m:t>0</m:t>
                                 </m:r>
                               </m:e>
                               <m:e>
                                 <m:r>
-                                  <a:rPr lang="en-US" i="1"/>
+                                  <a:rPr lang="en-US" i="1">
+                                    <a:latin typeface="Cambria Math"/>
+                                  </a:rPr>
                                   <m:t>0</m:t>
                                 </m:r>
                               </m:e>
@@ -5480,18 +5822,24 @@
                                 <m:sSub>
                                   <m:sSubPr>
                                     <m:ctrlPr>
-                                      <a:rPr lang="en-US" i="1"/>
+                                      <a:rPr lang="en-US" i="1">
+                                        <a:latin typeface="Cambria Math"/>
+                                      </a:rPr>
                                     </m:ctrlPr>
                                   </m:sSubPr>
                                   <m:e>
                                     <m:r>
-                                      <a:rPr lang="en-US" i="1"/>
+                                      <a:rPr lang="en-US" i="1">
+                                        <a:latin typeface="Cambria Math"/>
+                                      </a:rPr>
                                       <m:t>𝑥</m:t>
                                     </m:r>
                                   </m:e>
                                   <m:sub>
                                     <m:r>
-                                      <a:rPr lang="en-US" i="1"/>
+                                      <a:rPr lang="en-US" i="1">
+                                        <a:latin typeface="Cambria Math"/>
+                                      </a:rPr>
                                       <m:t>3</m:t>
                                     </m:r>
                                   </m:sub>
@@ -5501,18 +5849,24 @@
                                 <m:sSub>
                                   <m:sSubPr>
                                     <m:ctrlPr>
-                                      <a:rPr lang="en-US" i="1"/>
+                                      <a:rPr lang="en-US" i="1">
+                                        <a:latin typeface="Cambria Math"/>
+                                      </a:rPr>
                                     </m:ctrlPr>
                                   </m:sSubPr>
                                   <m:e>
                                     <m:r>
-                                      <a:rPr lang="en-US" i="1"/>
+                                      <a:rPr lang="en-US" i="1">
+                                        <a:latin typeface="Cambria Math"/>
+                                      </a:rPr>
                                       <m:t>𝑦</m:t>
                                     </m:r>
                                   </m:e>
                                   <m:sub>
                                     <m:r>
-                                      <a:rPr lang="en-US" i="1"/>
+                                      <a:rPr lang="en-US" i="1">
+                                        <a:latin typeface="Cambria Math"/>
+                                      </a:rPr>
                                       <m:t>3</m:t>
                                     </m:r>
                                   </m:sub>
@@ -5520,30 +5874,40 @@
                               </m:e>
                               <m:e>
                                 <m:r>
-                                  <a:rPr lang="en-US" i="1"/>
+                                  <a:rPr lang="en-US" i="1">
+                                    <a:latin typeface="Cambria Math"/>
+                                  </a:rPr>
                                   <m:t>1</m:t>
                                 </m:r>
                               </m:e>
                               <m:e>
                                 <m:r>
-                                  <a:rPr lang="en-US" i="1"/>
+                                  <a:rPr lang="en-US" i="1">
+                                    <a:latin typeface="Cambria Math"/>
+                                  </a:rPr>
                                   <m:t>−</m:t>
                                 </m:r>
                                 <m:sSub>
                                   <m:sSubPr>
                                     <m:ctrlPr>
-                                      <a:rPr lang="en-US" i="1"/>
+                                      <a:rPr lang="en-US" i="1">
+                                        <a:latin typeface="Cambria Math"/>
+                                      </a:rPr>
                                     </m:ctrlPr>
                                   </m:sSubPr>
                                   <m:e>
                                     <m:r>
-                                      <a:rPr lang="en-US" i="1"/>
+                                      <a:rPr lang="en-US" i="1">
+                                        <a:latin typeface="Cambria Math"/>
+                                      </a:rPr>
                                       <m:t>𝑥</m:t>
                                     </m:r>
                                   </m:e>
                                   <m:sub>
                                     <m:r>
-                                      <a:rPr lang="en-US" i="1"/>
+                                      <a:rPr lang="en-US" i="1">
+                                        <a:latin typeface="Cambria Math"/>
+                                      </a:rPr>
                                       <m:t>3</m:t>
                                     </m:r>
                                   </m:sub>
@@ -5551,22 +5915,30 @@
                                 <m:sSub>
                                   <m:sSubPr>
                                     <m:ctrlPr>
-                                      <a:rPr lang="en-US" i="1"/>
+                                      <a:rPr lang="en-US" i="1">
+                                        <a:latin typeface="Cambria Math"/>
+                                      </a:rPr>
                                     </m:ctrlPr>
                                   </m:sSubPr>
                                   <m:e>
                                     <m:r>
-                                      <a:rPr lang="en-US" i="1"/>
+                                      <a:rPr lang="en-US" i="1">
+                                        <a:latin typeface="Cambria Math"/>
+                                      </a:rPr>
                                       <m:t>𝑦</m:t>
                                     </m:r>
                                     <m:r>
-                                      <a:rPr lang="en-US" i="1"/>
+                                      <a:rPr lang="en-US" i="1">
+                                        <a:latin typeface="Cambria Math"/>
+                                      </a:rPr>
                                       <m:t>′</m:t>
                                     </m:r>
                                   </m:e>
                                   <m:sub>
                                     <m:r>
-                                      <a:rPr lang="en-US" i="1"/>
+                                      <a:rPr lang="en-US" i="1">
+                                        <a:latin typeface="Cambria Math"/>
+                                      </a:rPr>
                                       <m:t>3</m:t>
                                     </m:r>
                                   </m:sub>
@@ -5574,24 +5946,32 @@
                               </m:e>
                               <m:e>
                                 <m:r>
-                                  <a:rPr lang="en-US" i="1"/>
+                                  <a:rPr lang="en-US" i="1">
+                                    <a:latin typeface="Cambria Math"/>
+                                  </a:rPr>
                                   <m:t>−</m:t>
                                 </m:r>
                                 <m:sSub>
                                   <m:sSubPr>
                                     <m:ctrlPr>
-                                      <a:rPr lang="en-US" i="1"/>
+                                      <a:rPr lang="en-US" i="1">
+                                        <a:latin typeface="Cambria Math"/>
+                                      </a:rPr>
                                     </m:ctrlPr>
                                   </m:sSubPr>
                                   <m:e>
                                     <m:r>
-                                      <a:rPr lang="en-US" i="1"/>
+                                      <a:rPr lang="en-US" i="1">
+                                        <a:latin typeface="Cambria Math"/>
+                                      </a:rPr>
                                       <m:t>𝑦</m:t>
                                     </m:r>
                                   </m:e>
                                   <m:sub>
                                     <m:r>
-                                      <a:rPr lang="en-US" i="1"/>
+                                      <a:rPr lang="en-US" i="1">
+                                        <a:latin typeface="Cambria Math"/>
+                                      </a:rPr>
                                       <m:t>3</m:t>
                                     </m:r>
                                   </m:sub>
@@ -5599,22 +5979,30 @@
                                 <m:sSub>
                                   <m:sSubPr>
                                     <m:ctrlPr>
-                                      <a:rPr lang="en-US" i="1"/>
+                                      <a:rPr lang="en-US" i="1">
+                                        <a:latin typeface="Cambria Math"/>
+                                      </a:rPr>
                                     </m:ctrlPr>
                                   </m:sSubPr>
                                   <m:e>
                                     <m:r>
-                                      <a:rPr lang="en-US" i="1"/>
+                                      <a:rPr lang="en-US" i="1">
+                                        <a:latin typeface="Cambria Math"/>
+                                      </a:rPr>
                                       <m:t>𝑦</m:t>
                                     </m:r>
                                     <m:r>
-                                      <a:rPr lang="en-US" i="1"/>
+                                      <a:rPr lang="en-US" i="1">
+                                        <a:latin typeface="Cambria Math"/>
+                                      </a:rPr>
                                       <m:t>′</m:t>
                                     </m:r>
                                   </m:e>
                                   <m:sub>
                                     <m:r>
-                                      <a:rPr lang="en-US" i="1"/>
+                                      <a:rPr lang="en-US" i="1">
+                                        <a:latin typeface="Cambria Math"/>
+                                      </a:rPr>
                                       <m:t>3</m:t>
                                     </m:r>
                                   </m:sub>
@@ -5626,18 +6014,24 @@
                                 <m:sSub>
                                   <m:sSubPr>
                                     <m:ctrlPr>
-                                      <a:rPr lang="en-US" i="1"/>
+                                      <a:rPr lang="en-US" i="1">
+                                        <a:latin typeface="Cambria Math"/>
+                                      </a:rPr>
                                     </m:ctrlPr>
                                   </m:sSubPr>
                                   <m:e>
                                     <m:r>
-                                      <a:rPr lang="en-US" i="1"/>
+                                      <a:rPr lang="en-US" i="1">
+                                        <a:latin typeface="Cambria Math"/>
+                                      </a:rPr>
                                       <m:t>𝑥</m:t>
                                     </m:r>
                                   </m:e>
                                   <m:sub>
                                     <m:r>
-                                      <a:rPr lang="en-US" i="1"/>
+                                      <a:rPr lang="en-US" i="1">
+                                        <a:latin typeface="Cambria Math"/>
+                                      </a:rPr>
                                       <m:t>4</m:t>
                                     </m:r>
                                   </m:sub>
@@ -5647,18 +6041,24 @@
                                 <m:sSub>
                                   <m:sSubPr>
                                     <m:ctrlPr>
-                                      <a:rPr lang="en-US" i="1"/>
+                                      <a:rPr lang="en-US" i="1">
+                                        <a:latin typeface="Cambria Math"/>
+                                      </a:rPr>
                                     </m:ctrlPr>
                                   </m:sSubPr>
                                   <m:e>
                                     <m:r>
-                                      <a:rPr lang="en-US" i="1"/>
+                                      <a:rPr lang="en-US" i="1">
+                                        <a:latin typeface="Cambria Math"/>
+                                      </a:rPr>
                                       <m:t>𝑦</m:t>
                                     </m:r>
                                   </m:e>
                                   <m:sub>
                                     <m:r>
-                                      <a:rPr lang="en-US" i="1"/>
+                                      <a:rPr lang="en-US" i="1">
+                                        <a:latin typeface="Cambria Math"/>
+                                      </a:rPr>
                                       <m:t>4</m:t>
                                     </m:r>
                                   </m:sub>
@@ -5666,48 +6066,64 @@
                               </m:e>
                               <m:e>
                                 <m:r>
-                                  <a:rPr lang="en-US" i="1"/>
+                                  <a:rPr lang="en-US" i="1">
+                                    <a:latin typeface="Cambria Math"/>
+                                  </a:rPr>
                                   <m:t>1</m:t>
                                 </m:r>
                               </m:e>
                               <m:e>
                                 <m:r>
-                                  <a:rPr lang="en-US" i="1"/>
+                                  <a:rPr lang="en-US" i="1">
+                                    <a:latin typeface="Cambria Math"/>
+                                  </a:rPr>
                                   <m:t>0</m:t>
                                 </m:r>
                               </m:e>
                               <m:e>
                                 <m:r>
-                                  <a:rPr lang="en-US" i="1"/>
+                                  <a:rPr lang="en-US" i="1">
+                                    <a:latin typeface="Cambria Math"/>
+                                  </a:rPr>
                                   <m:t>0</m:t>
                                 </m:r>
                               </m:e>
                               <m:e>
                                 <m:r>
-                                  <a:rPr lang="en-US" i="1"/>
+                                  <a:rPr lang="en-US" i="1">
+                                    <a:latin typeface="Cambria Math"/>
+                                  </a:rPr>
                                   <m:t>0</m:t>
                                 </m:r>
                               </m:e>
                               <m:e>
                                 <m:r>
-                                  <a:rPr lang="en-US" i="1"/>
+                                  <a:rPr lang="en-US" i="1">
+                                    <a:latin typeface="Cambria Math"/>
+                                  </a:rPr>
                                   <m:t>−</m:t>
                                 </m:r>
                                 <m:sSub>
                                   <m:sSubPr>
                                     <m:ctrlPr>
-                                      <a:rPr lang="en-US" i="1"/>
+                                      <a:rPr lang="en-US" i="1">
+                                        <a:latin typeface="Cambria Math"/>
+                                      </a:rPr>
                                     </m:ctrlPr>
                                   </m:sSubPr>
                                   <m:e>
                                     <m:r>
-                                      <a:rPr lang="en-US" i="1"/>
+                                      <a:rPr lang="en-US" i="1">
+                                        <a:latin typeface="Cambria Math"/>
+                                      </a:rPr>
                                       <m:t>𝑥</m:t>
                                     </m:r>
                                   </m:e>
                                   <m:sub>
                                     <m:r>
-                                      <a:rPr lang="en-US" i="1"/>
+                                      <a:rPr lang="en-US" i="1">
+                                        <a:latin typeface="Cambria Math"/>
+                                      </a:rPr>
                                       <m:t>4</m:t>
                                     </m:r>
                                   </m:sub>
@@ -5715,22 +6131,30 @@
                                 <m:sSub>
                                   <m:sSubPr>
                                     <m:ctrlPr>
-                                      <a:rPr lang="en-US" i="1"/>
+                                      <a:rPr lang="en-US" i="1">
+                                        <a:latin typeface="Cambria Math"/>
+                                      </a:rPr>
                                     </m:ctrlPr>
                                   </m:sSubPr>
                                   <m:e>
                                     <m:r>
-                                      <a:rPr lang="en-US" i="1"/>
+                                      <a:rPr lang="en-US" i="1">
+                                        <a:latin typeface="Cambria Math"/>
+                                      </a:rPr>
                                       <m:t>𝑥</m:t>
                                     </m:r>
                                     <m:r>
-                                      <a:rPr lang="en-US" i="1"/>
+                                      <a:rPr lang="en-US" i="1">
+                                        <a:latin typeface="Cambria Math"/>
+                                      </a:rPr>
                                       <m:t>′</m:t>
                                     </m:r>
                                   </m:e>
                                   <m:sub>
                                     <m:r>
-                                      <a:rPr lang="en-US" i="1"/>
+                                      <a:rPr lang="en-US" i="1">
+                                        <a:latin typeface="Cambria Math"/>
+                                      </a:rPr>
                                       <m:t>4</m:t>
                                     </m:r>
                                   </m:sub>
@@ -5740,22 +6164,30 @@
                                 <m:sSub>
                                   <m:sSubPr>
                                     <m:ctrlPr>
-                                      <a:rPr lang="en-US" i="1"/>
+                                      <a:rPr lang="en-US" i="1">
+                                        <a:latin typeface="Cambria Math"/>
+                                      </a:rPr>
                                     </m:ctrlPr>
                                   </m:sSubPr>
                                   <m:e>
                                     <m:r>
-                                      <a:rPr lang="en-US" i="1"/>
+                                      <a:rPr lang="en-US" i="1">
+                                        <a:latin typeface="Cambria Math"/>
+                                      </a:rPr>
                                       <m:t>−</m:t>
                                     </m:r>
                                     <m:r>
-                                      <a:rPr lang="en-US" i="1"/>
+                                      <a:rPr lang="en-US" i="1">
+                                        <a:latin typeface="Cambria Math"/>
+                                      </a:rPr>
                                       <m:t>𝑦</m:t>
                                     </m:r>
                                   </m:e>
                                   <m:sub>
                                     <m:r>
-                                      <a:rPr lang="en-US" i="1"/>
+                                      <a:rPr lang="en-US" i="1">
+                                        <a:latin typeface="Cambria Math"/>
+                                      </a:rPr>
                                       <m:t>4</m:t>
                                     </m:r>
                                   </m:sub>
@@ -5763,22 +6195,30 @@
                                 <m:sSub>
                                   <m:sSubPr>
                                     <m:ctrlPr>
-                                      <a:rPr lang="en-US" i="1"/>
+                                      <a:rPr lang="en-US" i="1">
+                                        <a:latin typeface="Cambria Math"/>
+                                      </a:rPr>
                                     </m:ctrlPr>
                                   </m:sSubPr>
                                   <m:e>
                                     <m:r>
-                                      <a:rPr lang="en-US" i="1"/>
+                                      <a:rPr lang="en-US" i="1">
+                                        <a:latin typeface="Cambria Math"/>
+                                      </a:rPr>
                                       <m:t>𝑥</m:t>
                                     </m:r>
                                     <m:r>
-                                      <a:rPr lang="en-US" i="1"/>
+                                      <a:rPr lang="en-US" i="1">
+                                        <a:latin typeface="Cambria Math"/>
+                                      </a:rPr>
                                       <m:t>′</m:t>
                                     </m:r>
                                   </m:e>
                                   <m:sub>
                                     <m:r>
-                                      <a:rPr lang="en-US" i="1"/>
+                                      <a:rPr lang="en-US" i="1">
+                                        <a:latin typeface="Cambria Math"/>
+                                      </a:rPr>
                                       <m:t>4</m:t>
                                     </m:r>
                                   </m:sub>
@@ -5788,19 +6228,25 @@
                             <m:mr>
                               <m:e>
                                 <m:r>
-                                  <a:rPr lang="en-US" i="1"/>
+                                  <a:rPr lang="en-US" i="1">
+                                    <a:latin typeface="Cambria Math"/>
+                                  </a:rPr>
                                   <m:t>0</m:t>
                                 </m:r>
                               </m:e>
                               <m:e>
                                 <m:r>
-                                  <a:rPr lang="en-US" i="1"/>
+                                  <a:rPr lang="en-US" i="1">
+                                    <a:latin typeface="Cambria Math"/>
+                                  </a:rPr>
                                   <m:t>0</m:t>
                                 </m:r>
                               </m:e>
                               <m:e>
                                 <m:r>
-                                  <a:rPr lang="en-US" i="1"/>
+                                  <a:rPr lang="en-US" i="1">
+                                    <a:latin typeface="Cambria Math"/>
+                                  </a:rPr>
                                   <m:t>0</m:t>
                                 </m:r>
                               </m:e>
@@ -5808,18 +6254,24 @@
                                 <m:sSub>
                                   <m:sSubPr>
                                     <m:ctrlPr>
-                                      <a:rPr lang="en-US" i="1"/>
+                                      <a:rPr lang="en-US" i="1">
+                                        <a:latin typeface="Cambria Math"/>
+                                      </a:rPr>
                                     </m:ctrlPr>
                                   </m:sSubPr>
                                   <m:e>
                                     <m:r>
-                                      <a:rPr lang="en-US" i="1"/>
+                                      <a:rPr lang="en-US" i="1">
+                                        <a:latin typeface="Cambria Math"/>
+                                      </a:rPr>
                                       <m:t>𝑥</m:t>
                                     </m:r>
                                   </m:e>
                                   <m:sub>
                                     <m:r>
-                                      <a:rPr lang="en-US" i="1"/>
+                                      <a:rPr lang="en-US" i="1">
+                                        <a:latin typeface="Cambria Math"/>
+                                      </a:rPr>
                                       <m:t>4</m:t>
                                     </m:r>
                                   </m:sub>
@@ -5829,18 +6281,24 @@
                                 <m:sSub>
                                   <m:sSubPr>
                                     <m:ctrlPr>
-                                      <a:rPr lang="en-US" i="1"/>
+                                      <a:rPr lang="en-US" i="1">
+                                        <a:latin typeface="Cambria Math"/>
+                                      </a:rPr>
                                     </m:ctrlPr>
                                   </m:sSubPr>
                                   <m:e>
                                     <m:r>
-                                      <a:rPr lang="en-US" i="1"/>
+                                      <a:rPr lang="en-US" i="1">
+                                        <a:latin typeface="Cambria Math"/>
+                                      </a:rPr>
                                       <m:t>𝑦</m:t>
                                     </m:r>
                                   </m:e>
                                   <m:sub>
                                     <m:r>
-                                      <a:rPr lang="en-US" i="1"/>
+                                      <a:rPr lang="en-US" i="1">
+                                        <a:latin typeface="Cambria Math"/>
+                                      </a:rPr>
                                       <m:t>4</m:t>
                                     </m:r>
                                   </m:sub>
@@ -5848,30 +6306,40 @@
                               </m:e>
                               <m:e>
                                 <m:r>
-                                  <a:rPr lang="en-US" i="1"/>
+                                  <a:rPr lang="en-US" i="1">
+                                    <a:latin typeface="Cambria Math"/>
+                                  </a:rPr>
                                   <m:t>1</m:t>
                                 </m:r>
                               </m:e>
                               <m:e>
                                 <m:r>
-                                  <a:rPr lang="en-US" i="1"/>
+                                  <a:rPr lang="en-US" i="1">
+                                    <a:latin typeface="Cambria Math"/>
+                                  </a:rPr>
                                   <m:t>−</m:t>
                                 </m:r>
                                 <m:sSub>
                                   <m:sSubPr>
                                     <m:ctrlPr>
-                                      <a:rPr lang="en-US" i="1"/>
+                                      <a:rPr lang="en-US" i="1">
+                                        <a:latin typeface="Cambria Math"/>
+                                      </a:rPr>
                                     </m:ctrlPr>
                                   </m:sSubPr>
                                   <m:e>
                                     <m:r>
-                                      <a:rPr lang="en-US" i="1"/>
+                                      <a:rPr lang="en-US" i="1">
+                                        <a:latin typeface="Cambria Math"/>
+                                      </a:rPr>
                                       <m:t>𝑥</m:t>
                                     </m:r>
                                   </m:e>
                                   <m:sub>
                                     <m:r>
-                                      <a:rPr lang="en-US" i="1"/>
+                                      <a:rPr lang="en-US" i="1">
+                                        <a:latin typeface="Cambria Math"/>
+                                      </a:rPr>
                                       <m:t>4</m:t>
                                     </m:r>
                                   </m:sub>
@@ -5879,22 +6347,30 @@
                                 <m:sSub>
                                   <m:sSubPr>
                                     <m:ctrlPr>
-                                      <a:rPr lang="en-US" i="1"/>
+                                      <a:rPr lang="en-US" i="1">
+                                        <a:latin typeface="Cambria Math"/>
+                                      </a:rPr>
                                     </m:ctrlPr>
                                   </m:sSubPr>
                                   <m:e>
                                     <m:r>
-                                      <a:rPr lang="en-US" i="1"/>
+                                      <a:rPr lang="en-US" i="1">
+                                        <a:latin typeface="Cambria Math"/>
+                                      </a:rPr>
                                       <m:t>𝑦</m:t>
                                     </m:r>
                                     <m:r>
-                                      <a:rPr lang="en-US" i="1"/>
+                                      <a:rPr lang="en-US" i="1">
+                                        <a:latin typeface="Cambria Math"/>
+                                      </a:rPr>
                                       <m:t>′</m:t>
                                     </m:r>
                                   </m:e>
                                   <m:sub>
                                     <m:r>
-                                      <a:rPr lang="en-US" i="1"/>
+                                      <a:rPr lang="en-US" i="1">
+                                        <a:latin typeface="Cambria Math"/>
+                                      </a:rPr>
                                       <m:t>4</m:t>
                                     </m:r>
                                   </m:sub>
@@ -5902,24 +6378,32 @@
                               </m:e>
                               <m:e>
                                 <m:r>
-                                  <a:rPr lang="en-US" i="1"/>
+                                  <a:rPr lang="en-US" i="1">
+                                    <a:latin typeface="Cambria Math"/>
+                                  </a:rPr>
                                   <m:t>−</m:t>
                                 </m:r>
                                 <m:sSub>
                                   <m:sSubPr>
                                     <m:ctrlPr>
-                                      <a:rPr lang="en-US" i="1"/>
+                                      <a:rPr lang="en-US" i="1">
+                                        <a:latin typeface="Cambria Math"/>
+                                      </a:rPr>
                                     </m:ctrlPr>
                                   </m:sSubPr>
                                   <m:e>
                                     <m:r>
-                                      <a:rPr lang="en-US" i="1"/>
+                                      <a:rPr lang="en-US" i="1">
+                                        <a:latin typeface="Cambria Math"/>
+                                      </a:rPr>
                                       <m:t>𝑦</m:t>
                                     </m:r>
                                   </m:e>
                                   <m:sub>
                                     <m:r>
-                                      <a:rPr lang="en-US" i="1"/>
+                                      <a:rPr lang="en-US" i="1">
+                                        <a:latin typeface="Cambria Math"/>
+                                      </a:rPr>
                                       <m:t>4</m:t>
                                     </m:r>
                                   </m:sub>
@@ -5927,22 +6411,30 @@
                                 <m:sSub>
                                   <m:sSubPr>
                                     <m:ctrlPr>
-                                      <a:rPr lang="en-US" i="1"/>
+                                      <a:rPr lang="en-US" i="1">
+                                        <a:latin typeface="Cambria Math"/>
+                                      </a:rPr>
                                     </m:ctrlPr>
                                   </m:sSubPr>
                                   <m:e>
                                     <m:r>
-                                      <a:rPr lang="en-US" i="1"/>
+                                      <a:rPr lang="en-US" i="1">
+                                        <a:latin typeface="Cambria Math"/>
+                                      </a:rPr>
                                       <m:t>𝑦</m:t>
                                     </m:r>
                                     <m:r>
-                                      <a:rPr lang="en-US" i="1"/>
+                                      <a:rPr lang="en-US" i="1">
+                                        <a:latin typeface="Cambria Math"/>
+                                      </a:rPr>
                                       <m:t>′</m:t>
                                     </m:r>
                                   </m:e>
                                   <m:sub>
                                     <m:r>
-                                      <a:rPr lang="en-US" i="1"/>
+                                      <a:rPr lang="en-US" i="1">
+                                        <a:latin typeface="Cambria Math"/>
+                                      </a:rPr>
                                       <m:t>4</m:t>
                                     </m:r>
                                   </m:sub>
@@ -5952,49 +6444,65 @@
                             <m:mr>
                               <m:e>
                                 <m:r>
-                                  <a:rPr lang="en-US" i="1"/>
+                                  <a:rPr lang="en-US" i="1">
+                                    <a:latin typeface="Cambria Math"/>
+                                  </a:rPr>
                                   <m:t>⋮</m:t>
                                 </m:r>
                               </m:e>
                               <m:e>
                                 <m:r>
-                                  <a:rPr lang="en-US" i="1"/>
+                                  <a:rPr lang="en-US" i="1">
+                                    <a:latin typeface="Cambria Math"/>
+                                  </a:rPr>
                                   <m:t>⋮</m:t>
                                 </m:r>
                               </m:e>
                               <m:e>
                                 <m:r>
-                                  <a:rPr lang="en-US" i="1"/>
+                                  <a:rPr lang="en-US" i="1">
+                                    <a:latin typeface="Cambria Math"/>
+                                  </a:rPr>
                                   <m:t>⋮</m:t>
                                 </m:r>
                               </m:e>
                               <m:e>
                                 <m:r>
-                                  <a:rPr lang="en-US" i="1"/>
+                                  <a:rPr lang="en-US" i="1">
+                                    <a:latin typeface="Cambria Math"/>
+                                  </a:rPr>
                                   <m:t>⋮</m:t>
                                 </m:r>
                               </m:e>
                               <m:e>
                                 <m:r>
-                                  <a:rPr lang="en-US" i="1"/>
+                                  <a:rPr lang="en-US" i="1">
+                                    <a:latin typeface="Cambria Math"/>
+                                  </a:rPr>
                                   <m:t>⋮</m:t>
                                 </m:r>
                               </m:e>
                               <m:e>
                                 <m:r>
-                                  <a:rPr lang="en-US" i="1"/>
+                                  <a:rPr lang="en-US" i="1">
+                                    <a:latin typeface="Cambria Math"/>
+                                  </a:rPr>
                                   <m:t>⋮</m:t>
                                 </m:r>
                               </m:e>
                               <m:e>
                                 <m:r>
-                                  <a:rPr lang="en-US" i="1"/>
+                                  <a:rPr lang="en-US" i="1">
+                                    <a:latin typeface="Cambria Math"/>
+                                  </a:rPr>
                                   <m:t>⋮</m:t>
                                 </m:r>
                               </m:e>
                               <m:e>
                                 <m:r>
-                                  <a:rPr lang="en-US" i="1"/>
+                                  <a:rPr lang="en-US" i="1">
+                                    <a:latin typeface="Cambria Math"/>
+                                  </a:rPr>
                                   <m:t>⋮</m:t>
                                 </m:r>
                               </m:e>
@@ -6002,49 +6510,65 @@
                             <m:mr>
                               <m:e>
                                 <m:r>
-                                  <a:rPr lang="en-US" i="1"/>
+                                  <a:rPr lang="en-US" i="1">
+                                    <a:latin typeface="Cambria Math"/>
+                                  </a:rPr>
                                   <m:t>⋮</m:t>
                                 </m:r>
                               </m:e>
                               <m:e>
                                 <m:r>
-                                  <a:rPr lang="en-US" i="1"/>
+                                  <a:rPr lang="en-US" i="1">
+                                    <a:latin typeface="Cambria Math"/>
+                                  </a:rPr>
                                   <m:t>⋮</m:t>
                                 </m:r>
                               </m:e>
                               <m:e>
                                 <m:r>
-                                  <a:rPr lang="en-US" i="1"/>
+                                  <a:rPr lang="en-US" i="1">
+                                    <a:latin typeface="Cambria Math"/>
+                                  </a:rPr>
                                   <m:t>⋮</m:t>
                                 </m:r>
                               </m:e>
                               <m:e>
                                 <m:r>
-                                  <a:rPr lang="en-US" i="1"/>
+                                  <a:rPr lang="en-US" i="1">
+                                    <a:latin typeface="Cambria Math"/>
+                                  </a:rPr>
                                   <m:t>⋮</m:t>
                                 </m:r>
                               </m:e>
                               <m:e>
                                 <m:r>
-                                  <a:rPr lang="en-US" i="1"/>
+                                  <a:rPr lang="en-US" i="1">
+                                    <a:latin typeface="Cambria Math"/>
+                                  </a:rPr>
                                   <m:t>⋮</m:t>
                                 </m:r>
                               </m:e>
                               <m:e>
                                 <m:r>
-                                  <a:rPr lang="en-US" i="1"/>
+                                  <a:rPr lang="en-US" i="1">
+                                    <a:latin typeface="Cambria Math"/>
+                                  </a:rPr>
                                   <m:t>⋮</m:t>
                                 </m:r>
                               </m:e>
                               <m:e>
                                 <m:r>
-                                  <a:rPr lang="en-US" i="1"/>
+                                  <a:rPr lang="en-US" i="1">
+                                    <a:latin typeface="Cambria Math"/>
+                                  </a:rPr>
                                   <m:t>⋮</m:t>
                                 </m:r>
                               </m:e>
                               <m:e>
                                 <m:r>
-                                  <a:rPr lang="en-US" i="1"/>
+                                  <a:rPr lang="en-US" i="1">
+                                    <a:latin typeface="Cambria Math"/>
+                                  </a:rPr>
                                   <m:t>⋮</m:t>
                                 </m:r>
                               </m:e>
@@ -6057,7 +6581,9 @@
                           <m:begChr m:val="["/>
                           <m:endChr m:val="]"/>
                           <m:ctrlPr>
-                            <a:rPr lang="en-US" i="1"/>
+                            <a:rPr lang="en-US" i="1">
+                              <a:latin typeface="Cambria Math"/>
+                            </a:rPr>
                           </m:ctrlPr>
                         </m:dPr>
                         <m:e>
@@ -6072,7 +6598,9 @@
                                 </m:mc>
                               </m:mcs>
                               <m:ctrlPr>
-                                <a:rPr lang="en-US" i="1"/>
+                                <a:rPr lang="en-US" i="1">
+                                  <a:latin typeface="Cambria Math"/>
+                                </a:rPr>
                               </m:ctrlPr>
                             </m:mPr>
                             <m:mr>
@@ -6080,18 +6608,24 @@
                                 <m:sSub>
                                   <m:sSubPr>
                                     <m:ctrlPr>
-                                      <a:rPr lang="en-US" i="1"/>
+                                      <a:rPr lang="en-US" i="1">
+                                        <a:latin typeface="Cambria Math"/>
+                                      </a:rPr>
                                     </m:ctrlPr>
                                   </m:sSubPr>
                                   <m:e>
                                     <m:r>
-                                      <a:rPr lang="en-US" i="1"/>
+                                      <a:rPr lang="en-US" i="1">
+                                        <a:latin typeface="Cambria Math"/>
+                                      </a:rPr>
                                       <m:t>h</m:t>
                                     </m:r>
                                   </m:e>
                                   <m:sub>
                                     <m:r>
-                                      <a:rPr lang="en-US" i="1"/>
+                                      <a:rPr lang="en-US" i="1">
+                                        <a:latin typeface="Cambria Math"/>
+                                      </a:rPr>
                                       <m:t>11</m:t>
                                     </m:r>
                                   </m:sub>
@@ -6103,18 +6637,24 @@
                                 <m:sSub>
                                   <m:sSubPr>
                                     <m:ctrlPr>
-                                      <a:rPr lang="en-US" i="1"/>
+                                      <a:rPr lang="en-US" i="1">
+                                        <a:latin typeface="Cambria Math"/>
+                                      </a:rPr>
                                     </m:ctrlPr>
                                   </m:sSubPr>
                                   <m:e>
                                     <m:r>
-                                      <a:rPr lang="en-US" i="1"/>
+                                      <a:rPr lang="en-US" i="1">
+                                        <a:latin typeface="Cambria Math"/>
+                                      </a:rPr>
                                       <m:t>h</m:t>
                                     </m:r>
                                   </m:e>
                                   <m:sub>
                                     <m:r>
-                                      <a:rPr lang="en-US" i="1"/>
+                                      <a:rPr lang="en-US" i="1">
+                                        <a:latin typeface="Cambria Math"/>
+                                      </a:rPr>
                                       <m:t>12</m:t>
                                     </m:r>
                                   </m:sub>
@@ -6126,18 +6666,24 @@
                                 <m:sSub>
                                   <m:sSubPr>
                                     <m:ctrlPr>
-                                      <a:rPr lang="en-US" i="1"/>
+                                      <a:rPr lang="en-US" i="1">
+                                        <a:latin typeface="Cambria Math"/>
+                                      </a:rPr>
                                     </m:ctrlPr>
                                   </m:sSubPr>
                                   <m:e>
                                     <m:r>
-                                      <a:rPr lang="en-US" i="1"/>
+                                      <a:rPr lang="en-US" i="1">
+                                        <a:latin typeface="Cambria Math"/>
+                                      </a:rPr>
                                       <m:t>h</m:t>
                                     </m:r>
                                   </m:e>
                                   <m:sub>
                                     <m:r>
-                                      <a:rPr lang="en-US" i="1"/>
+                                      <a:rPr lang="en-US" i="1">
+                                        <a:latin typeface="Cambria Math"/>
+                                      </a:rPr>
                                       <m:t>13</m:t>
                                     </m:r>
                                   </m:sub>
@@ -6149,18 +6695,24 @@
                                 <m:sSub>
                                   <m:sSubPr>
                                     <m:ctrlPr>
-                                      <a:rPr lang="en-US" i="1"/>
+                                      <a:rPr lang="en-US" i="1">
+                                        <a:latin typeface="Cambria Math"/>
+                                      </a:rPr>
                                     </m:ctrlPr>
                                   </m:sSubPr>
                                   <m:e>
                                     <m:r>
-                                      <a:rPr lang="en-US" i="1"/>
+                                      <a:rPr lang="en-US" i="1">
+                                        <a:latin typeface="Cambria Math"/>
+                                      </a:rPr>
                                       <m:t>h</m:t>
                                     </m:r>
                                   </m:e>
                                   <m:sub>
                                     <m:r>
-                                      <a:rPr lang="en-US" i="1"/>
+                                      <a:rPr lang="en-US" i="1">
+                                        <a:latin typeface="Cambria Math"/>
+                                      </a:rPr>
                                       <m:t>21</m:t>
                                     </m:r>
                                   </m:sub>
@@ -6172,18 +6724,24 @@
                                 <m:sSub>
                                   <m:sSubPr>
                                     <m:ctrlPr>
-                                      <a:rPr lang="en-US" i="1"/>
+                                      <a:rPr lang="en-US" i="1">
+                                        <a:latin typeface="Cambria Math"/>
+                                      </a:rPr>
                                     </m:ctrlPr>
                                   </m:sSubPr>
                                   <m:e>
                                     <m:r>
-                                      <a:rPr lang="en-US" i="1"/>
+                                      <a:rPr lang="en-US" i="1">
+                                        <a:latin typeface="Cambria Math"/>
+                                      </a:rPr>
                                       <m:t>h</m:t>
                                     </m:r>
                                   </m:e>
                                   <m:sub>
                                     <m:r>
-                                      <a:rPr lang="en-US" i="1"/>
+                                      <a:rPr lang="en-US" i="1">
+                                        <a:latin typeface="Cambria Math"/>
+                                      </a:rPr>
                                       <m:t>22</m:t>
                                     </m:r>
                                   </m:sub>
@@ -6195,18 +6753,24 @@
                                 <m:sSub>
                                   <m:sSubPr>
                                     <m:ctrlPr>
-                                      <a:rPr lang="en-US" i="1"/>
+                                      <a:rPr lang="en-US" i="1">
+                                        <a:latin typeface="Cambria Math"/>
+                                      </a:rPr>
                                     </m:ctrlPr>
                                   </m:sSubPr>
                                   <m:e>
                                     <m:r>
-                                      <a:rPr lang="en-US" i="1"/>
+                                      <a:rPr lang="en-US" i="1">
+                                        <a:latin typeface="Cambria Math"/>
+                                      </a:rPr>
                                       <m:t>h</m:t>
                                     </m:r>
                                   </m:e>
                                   <m:sub>
                                     <m:r>
-                                      <a:rPr lang="en-US" i="1"/>
+                                      <a:rPr lang="en-US" i="1">
+                                        <a:latin typeface="Cambria Math"/>
+                                      </a:rPr>
                                       <m:t>23</m:t>
                                     </m:r>
                                   </m:sub>
@@ -6218,18 +6782,24 @@
                                 <m:sSub>
                                   <m:sSubPr>
                                     <m:ctrlPr>
-                                      <a:rPr lang="en-US" i="1"/>
+                                      <a:rPr lang="en-US" i="1">
+                                        <a:latin typeface="Cambria Math"/>
+                                      </a:rPr>
                                     </m:ctrlPr>
                                   </m:sSubPr>
                                   <m:e>
                                     <m:r>
-                                      <a:rPr lang="en-US" i="1"/>
+                                      <a:rPr lang="en-US" i="1">
+                                        <a:latin typeface="Cambria Math"/>
+                                      </a:rPr>
                                       <m:t>h</m:t>
                                     </m:r>
                                   </m:e>
                                   <m:sub>
                                     <m:r>
-                                      <a:rPr lang="en-US" i="1"/>
+                                      <a:rPr lang="en-US" i="1">
+                                        <a:latin typeface="Cambria Math"/>
+                                      </a:rPr>
                                       <m:t>31</m:t>
                                     </m:r>
                                   </m:sub>
@@ -6241,18 +6811,24 @@
                                 <m:sSub>
                                   <m:sSubPr>
                                     <m:ctrlPr>
-                                      <a:rPr lang="en-US" i="1"/>
+                                      <a:rPr lang="en-US" i="1">
+                                        <a:latin typeface="Cambria Math"/>
+                                      </a:rPr>
                                     </m:ctrlPr>
                                   </m:sSubPr>
                                   <m:e>
                                     <m:r>
-                                      <a:rPr lang="en-US" i="1"/>
+                                      <a:rPr lang="en-US" i="1">
+                                        <a:latin typeface="Cambria Math"/>
+                                      </a:rPr>
                                       <m:t>h</m:t>
                                     </m:r>
                                   </m:e>
                                   <m:sub>
                                     <m:r>
-                                      <a:rPr lang="en-US" i="1"/>
+                                      <a:rPr lang="en-US" i="1">
+                                        <a:latin typeface="Cambria Math"/>
+                                      </a:rPr>
                                       <m:t>32</m:t>
                                     </m:r>
                                   </m:sub>
@@ -6263,7 +6839,9 @@
                         </m:e>
                       </m:d>
                       <m:r>
-                        <a:rPr lang="en-US" i="1"/>
+                        <a:rPr lang="en-US" i="1">
+                          <a:latin typeface="Cambria Math"/>
+                        </a:rPr>
                         <m:t>=</m:t>
                       </m:r>
                       <m:d>
@@ -6271,7 +6849,9 @@
                           <m:begChr m:val="["/>
                           <m:endChr m:val="]"/>
                           <m:ctrlPr>
-                            <a:rPr lang="en-US" i="1"/>
+                            <a:rPr lang="en-US" i="1">
+                              <a:latin typeface="Cambria Math"/>
+                            </a:rPr>
                           </m:ctrlPr>
                         </m:dPr>
                         <m:e>
@@ -6286,7 +6866,9 @@
                                 </m:mc>
                               </m:mcs>
                               <m:ctrlPr>
-                                <a:rPr lang="en-US" i="1"/>
+                                <a:rPr lang="en-US" i="1">
+                                  <a:latin typeface="Cambria Math"/>
+                                </a:rPr>
                               </m:ctrlPr>
                             </m:mPr>
                             <m:mr>
@@ -6294,22 +6876,30 @@
                                 <m:sSub>
                                   <m:sSubPr>
                                     <m:ctrlPr>
-                                      <a:rPr lang="en-US" i="1"/>
+                                      <a:rPr lang="en-US" i="1">
+                                        <a:latin typeface="Cambria Math"/>
+                                      </a:rPr>
                                     </m:ctrlPr>
                                   </m:sSubPr>
                                   <m:e>
                                     <m:r>
-                                      <a:rPr lang="en-US" i="1"/>
+                                      <a:rPr lang="en-US" i="1">
+                                        <a:latin typeface="Cambria Math"/>
+                                      </a:rPr>
                                       <m:t>𝑥</m:t>
                                     </m:r>
                                     <m:r>
-                                      <a:rPr lang="en-US" i="1"/>
+                                      <a:rPr lang="en-US" i="1">
+                                        <a:latin typeface="Cambria Math"/>
+                                      </a:rPr>
                                       <m:t>′</m:t>
                                     </m:r>
                                   </m:e>
                                   <m:sub>
                                     <m:r>
-                                      <a:rPr lang="en-US" i="1"/>
+                                      <a:rPr lang="en-US" i="1">
+                                        <a:latin typeface="Cambria Math"/>
+                                      </a:rPr>
                                       <m:t>1</m:t>
                                     </m:r>
                                   </m:sub>
@@ -6321,22 +6911,30 @@
                                 <m:sSub>
                                   <m:sSubPr>
                                     <m:ctrlPr>
-                                      <a:rPr lang="en-US" i="1"/>
+                                      <a:rPr lang="en-US" i="1">
+                                        <a:latin typeface="Cambria Math"/>
+                                      </a:rPr>
                                     </m:ctrlPr>
                                   </m:sSubPr>
                                   <m:e>
                                     <m:r>
-                                      <a:rPr lang="en-US" i="1"/>
+                                      <a:rPr lang="en-US" i="1">
+                                        <a:latin typeface="Cambria Math"/>
+                                      </a:rPr>
                                       <m:t>𝑦</m:t>
                                     </m:r>
                                     <m:r>
-                                      <a:rPr lang="en-US" i="1"/>
+                                      <a:rPr lang="en-US" i="1">
+                                        <a:latin typeface="Cambria Math"/>
+                                      </a:rPr>
                                       <m:t>′</m:t>
                                     </m:r>
                                   </m:e>
                                   <m:sub>
                                     <m:r>
-                                      <a:rPr lang="en-US" i="1"/>
+                                      <a:rPr lang="en-US" i="1">
+                                        <a:latin typeface="Cambria Math"/>
+                                      </a:rPr>
                                       <m:t>1</m:t>
                                     </m:r>
                                   </m:sub>
@@ -6348,22 +6946,30 @@
                                 <m:sSub>
                                   <m:sSubPr>
                                     <m:ctrlPr>
-                                      <a:rPr lang="en-US" i="1"/>
+                                      <a:rPr lang="en-US" i="1">
+                                        <a:latin typeface="Cambria Math"/>
+                                      </a:rPr>
                                     </m:ctrlPr>
                                   </m:sSubPr>
                                   <m:e>
                                     <m:r>
-                                      <a:rPr lang="en-US" i="1"/>
+                                      <a:rPr lang="en-US" i="1">
+                                        <a:latin typeface="Cambria Math"/>
+                                      </a:rPr>
                                       <m:t>𝑥</m:t>
                                     </m:r>
                                     <m:r>
-                                      <a:rPr lang="en-US" i="1"/>
+                                      <a:rPr lang="en-US" i="1">
+                                        <a:latin typeface="Cambria Math"/>
+                                      </a:rPr>
                                       <m:t>′</m:t>
                                     </m:r>
                                   </m:e>
                                   <m:sub>
                                     <m:r>
-                                      <a:rPr lang="en-US" i="1"/>
+                                      <a:rPr lang="en-US" i="1">
+                                        <a:latin typeface="Cambria Math"/>
+                                      </a:rPr>
                                       <m:t>2</m:t>
                                     </m:r>
                                   </m:sub>
@@ -6375,22 +6981,30 @@
                                 <m:sSub>
                                   <m:sSubPr>
                                     <m:ctrlPr>
-                                      <a:rPr lang="en-US" i="1"/>
+                                      <a:rPr lang="en-US" i="1">
+                                        <a:latin typeface="Cambria Math"/>
+                                      </a:rPr>
                                     </m:ctrlPr>
                                   </m:sSubPr>
                                   <m:e>
                                     <m:r>
-                                      <a:rPr lang="en-US" i="1"/>
+                                      <a:rPr lang="en-US" i="1">
+                                        <a:latin typeface="Cambria Math"/>
+                                      </a:rPr>
                                       <m:t>𝑦</m:t>
                                     </m:r>
                                     <m:r>
-                                      <a:rPr lang="en-US" i="1"/>
+                                      <a:rPr lang="en-US" i="1">
+                                        <a:latin typeface="Cambria Math"/>
+                                      </a:rPr>
                                       <m:t>′</m:t>
                                     </m:r>
                                   </m:e>
                                   <m:sub>
                                     <m:r>
-                                      <a:rPr lang="en-US" i="1"/>
+                                      <a:rPr lang="en-US" i="1">
+                                        <a:latin typeface="Cambria Math"/>
+                                      </a:rPr>
                                       <m:t>2</m:t>
                                     </m:r>
                                   </m:sub>
@@ -6402,22 +7016,30 @@
                                 <m:sSub>
                                   <m:sSubPr>
                                     <m:ctrlPr>
-                                      <a:rPr lang="en-US" i="1"/>
+                                      <a:rPr lang="en-US" i="1">
+                                        <a:latin typeface="Cambria Math"/>
+                                      </a:rPr>
                                     </m:ctrlPr>
                                   </m:sSubPr>
                                   <m:e>
                                     <m:r>
-                                      <a:rPr lang="en-US" i="1"/>
+                                      <a:rPr lang="en-US" i="1">
+                                        <a:latin typeface="Cambria Math"/>
+                                      </a:rPr>
                                       <m:t>𝑥</m:t>
                                     </m:r>
                                     <m:r>
-                                      <a:rPr lang="en-US" i="1"/>
+                                      <a:rPr lang="en-US" i="1">
+                                        <a:latin typeface="Cambria Math"/>
+                                      </a:rPr>
                                       <m:t>′</m:t>
                                     </m:r>
                                   </m:e>
                                   <m:sub>
                                     <m:r>
-                                      <a:rPr lang="en-US" i="1"/>
+                                      <a:rPr lang="en-US" i="1">
+                                        <a:latin typeface="Cambria Math"/>
+                                      </a:rPr>
                                       <m:t>3</m:t>
                                     </m:r>
                                   </m:sub>
@@ -6429,22 +7051,30 @@
                                 <m:sSub>
                                   <m:sSubPr>
                                     <m:ctrlPr>
-                                      <a:rPr lang="en-US" i="1"/>
+                                      <a:rPr lang="en-US" i="1">
+                                        <a:latin typeface="Cambria Math"/>
+                                      </a:rPr>
                                     </m:ctrlPr>
                                   </m:sSubPr>
                                   <m:e>
                                     <m:r>
-                                      <a:rPr lang="en-US" i="1"/>
+                                      <a:rPr lang="en-US" i="1">
+                                        <a:latin typeface="Cambria Math"/>
+                                      </a:rPr>
                                       <m:t>𝑦</m:t>
                                     </m:r>
                                     <m:r>
-                                      <a:rPr lang="en-US" i="1"/>
+                                      <a:rPr lang="en-US" i="1">
+                                        <a:latin typeface="Cambria Math"/>
+                                      </a:rPr>
                                       <m:t>′</m:t>
                                     </m:r>
                                   </m:e>
                                   <m:sub>
                                     <m:r>
-                                      <a:rPr lang="en-US" i="1"/>
+                                      <a:rPr lang="en-US" i="1">
+                                        <a:latin typeface="Cambria Math"/>
+                                      </a:rPr>
                                       <m:t>3</m:t>
                                     </m:r>
                                   </m:sub>
@@ -6456,22 +7086,30 @@
                                 <m:sSub>
                                   <m:sSubPr>
                                     <m:ctrlPr>
-                                      <a:rPr lang="en-US" i="1"/>
+                                      <a:rPr lang="en-US" i="1">
+                                        <a:latin typeface="Cambria Math"/>
+                                      </a:rPr>
                                     </m:ctrlPr>
                                   </m:sSubPr>
                                   <m:e>
                                     <m:r>
-                                      <a:rPr lang="en-US" i="1"/>
+                                      <a:rPr lang="en-US" i="1">
+                                        <a:latin typeface="Cambria Math"/>
+                                      </a:rPr>
                                       <m:t>𝑥</m:t>
                                     </m:r>
                                     <m:r>
-                                      <a:rPr lang="en-US" i="1"/>
+                                      <a:rPr lang="en-US" i="1">
+                                        <a:latin typeface="Cambria Math"/>
+                                      </a:rPr>
                                       <m:t>′</m:t>
                                     </m:r>
                                   </m:e>
                                   <m:sub>
                                     <m:r>
-                                      <a:rPr lang="en-US" i="1"/>
+                                      <a:rPr lang="en-US" i="1">
+                                        <a:latin typeface="Cambria Math"/>
+                                      </a:rPr>
                                       <m:t>4</m:t>
                                     </m:r>
                                   </m:sub>
@@ -6483,22 +7121,30 @@
                                 <m:sSub>
                                   <m:sSubPr>
                                     <m:ctrlPr>
-                                      <a:rPr lang="en-US" i="1"/>
+                                      <a:rPr lang="en-US" i="1">
+                                        <a:latin typeface="Cambria Math"/>
+                                      </a:rPr>
                                     </m:ctrlPr>
                                   </m:sSubPr>
                                   <m:e>
                                     <m:r>
-                                      <a:rPr lang="en-US" i="1"/>
+                                      <a:rPr lang="en-US" i="1">
+                                        <a:latin typeface="Cambria Math"/>
+                                      </a:rPr>
                                       <m:t>𝑦</m:t>
                                     </m:r>
                                     <m:r>
-                                      <a:rPr lang="en-US" i="1"/>
+                                      <a:rPr lang="en-US" i="1">
+                                        <a:latin typeface="Cambria Math"/>
+                                      </a:rPr>
                                       <m:t>′</m:t>
                                     </m:r>
                                   </m:e>
                                   <m:sub>
                                     <m:r>
-                                      <a:rPr lang="en-US" i="1"/>
+                                      <a:rPr lang="en-US" i="1">
+                                        <a:latin typeface="Cambria Math"/>
+                                      </a:rPr>
                                       <m:t>4</m:t>
                                     </m:r>
                                   </m:sub>
@@ -6508,7 +7154,9 @@
                             <m:mr>
                               <m:e>
                                 <m:r>
-                                  <a:rPr lang="en-US" i="1"/>
+                                  <a:rPr lang="en-US" i="1">
+                                    <a:latin typeface="Cambria Math"/>
+                                  </a:rPr>
                                   <m:t>⋮</m:t>
                                 </m:r>
                               </m:e>
@@ -6516,7 +7164,9 @@
                             <m:mr>
                               <m:e>
                                 <m:r>
-                                  <a:rPr lang="en-US" i="1"/>
+                                  <a:rPr lang="en-US" i="1">
+                                    <a:latin typeface="Cambria Math"/>
+                                  </a:rPr>
                                   <m:t>⋮</m:t>
                                 </m:r>
                               </m:e>
@@ -6532,7 +7182,7 @@
             </p:txBody>
           </p:sp>
         </mc:Choice>
-        <mc:Fallback>
+        <mc:Fallback xmlns="">
           <p:sp>
             <p:nvSpPr>
               <p:cNvPr id="5" name="Rectangle 4"/>
@@ -6744,8 +7394,8 @@
           </a:p>
         </p:txBody>
       </p:sp>
-      <mc:AlternateContent xmlns:mc="http://schemas.openxmlformats.org/markup-compatibility/2006">
-        <mc:Choice xmlns:a14="http://schemas.microsoft.com/office/drawing/2010/main" Requires="a14">
+      <mc:AlternateContent xmlns:mc="http://schemas.openxmlformats.org/markup-compatibility/2006" xmlns:a14="http://schemas.microsoft.com/office/drawing/2010/main">
+        <mc:Choice Requires="a14">
           <p:sp>
             <p:nvSpPr>
               <p:cNvPr id="5" name="Rectangle 4"/>
@@ -6767,6 +7417,7 @@
               </a:bodyPr>
               <a:lstStyle/>
               <a:p>
+                <a:pPr/>
                 <a14:m>
                   <m:oMathPara xmlns:m="http://schemas.openxmlformats.org/officeDocument/2006/math">
                     <m:oMathParaPr>
@@ -6774,19 +7425,27 @@
                     </m:oMathParaPr>
                     <m:oMath xmlns:m="http://schemas.openxmlformats.org/officeDocument/2006/math">
                       <m:r>
-                        <a:rPr lang="en-US" i="1" smtClean="0"/>
+                        <a:rPr lang="en-US" i="1" smtClean="0">
+                          <a:latin typeface="Cambria Math"/>
+                        </a:rPr>
                         <m:t>𝜆</m:t>
                       </m:r>
                       <m:r>
-                        <a:rPr lang="en-US" i="1" smtClean="0"/>
+                        <a:rPr lang="en-US" i="1" smtClean="0">
+                          <a:latin typeface="Cambria Math"/>
+                        </a:rPr>
                         <m:t>𝑥</m:t>
                       </m:r>
                       <m:r>
-                        <a:rPr lang="en-US" i="1" smtClean="0"/>
+                        <a:rPr lang="en-US" i="1" smtClean="0">
+                          <a:latin typeface="Cambria Math"/>
+                        </a:rPr>
                         <m:t>=</m:t>
                       </m:r>
                       <m:r>
-                        <a:rPr lang="en-US" i="1" smtClean="0"/>
+                        <a:rPr lang="en-US" i="1" smtClean="0">
+                          <a:latin typeface="Cambria Math"/>
+                        </a:rPr>
                         <m:t>𝐻𝑋</m:t>
                       </m:r>
                     </m:oMath>
@@ -6797,7 +7456,7 @@
             </p:txBody>
           </p:sp>
         </mc:Choice>
-        <mc:Fallback>
+        <mc:Fallback xmlns="">
           <p:sp>
             <p:nvSpPr>
               <p:cNvPr id="5" name="Rectangle 4"/>
@@ -6836,8 +7495,8 @@
           </p:sp>
         </mc:Fallback>
       </mc:AlternateContent>
-      <mc:AlternateContent xmlns:mc="http://schemas.openxmlformats.org/markup-compatibility/2006">
-        <mc:Choice xmlns:a14="http://schemas.microsoft.com/office/drawing/2010/main" Requires="a14">
+      <mc:AlternateContent xmlns:mc="http://schemas.openxmlformats.org/markup-compatibility/2006" xmlns:a14="http://schemas.microsoft.com/office/drawing/2010/main">
+        <mc:Choice Requires="a14">
           <p:sp>
             <p:nvSpPr>
               <p:cNvPr id="7" name="Rectangle 6"/>
@@ -6859,6 +7518,7 @@
               </a:bodyPr>
               <a:lstStyle/>
               <a:p>
+                <a:pPr/>
                 <a14:m>
                   <m:oMathPara xmlns:m="http://schemas.openxmlformats.org/officeDocument/2006/math">
                     <m:oMathParaPr>
@@ -6866,19 +7526,27 @@
                     </m:oMathParaPr>
                     <m:oMath xmlns:m="http://schemas.openxmlformats.org/officeDocument/2006/math">
                       <m:r>
-                        <a:rPr lang="en-US" i="1"/>
+                        <a:rPr lang="en-US" i="1">
+                          <a:latin typeface="Cambria Math"/>
+                        </a:rPr>
                         <m:t>𝜆</m:t>
                       </m:r>
                       <m:r>
-                        <a:rPr lang="en-US" i="1"/>
+                        <a:rPr lang="en-US" i="1">
+                          <a:latin typeface="Cambria Math"/>
+                        </a:rPr>
                         <m:t>𝑥</m:t>
                       </m:r>
                       <m:r>
-                        <a:rPr lang="en-US" i="1"/>
+                        <a:rPr lang="en-US" i="1">
+                          <a:latin typeface="Cambria Math"/>
+                        </a:rPr>
                         <m:t>=</m:t>
                       </m:r>
                       <m:r>
-                        <a:rPr lang="en-US" i="1"/>
+                        <a:rPr lang="en-US" i="1">
+                          <a:latin typeface="Cambria Math"/>
+                        </a:rPr>
                         <m:t>𝑃𝑋</m:t>
                       </m:r>
                     </m:oMath>
@@ -6889,7 +7557,7 @@
             </p:txBody>
           </p:sp>
         </mc:Choice>
-        <mc:Fallback>
+        <mc:Fallback xmlns="">
           <p:sp>
             <p:nvSpPr>
               <p:cNvPr id="7" name="Rectangle 6"/>
@@ -6928,8 +7596,8 @@
           </p:sp>
         </mc:Fallback>
       </mc:AlternateContent>
-      <mc:AlternateContent xmlns:mc="http://schemas.openxmlformats.org/markup-compatibility/2006">
-        <mc:Choice xmlns:a14="http://schemas.microsoft.com/office/drawing/2010/main" Requires="a14">
+      <mc:AlternateContent xmlns:mc="http://schemas.openxmlformats.org/markup-compatibility/2006" xmlns:a14="http://schemas.microsoft.com/office/drawing/2010/main">
+        <mc:Choice Requires="a14">
           <p:sp>
             <p:nvSpPr>
               <p:cNvPr id="8" name="Rectangle 7"/>
@@ -6951,6 +7619,7 @@
               </a:bodyPr>
               <a:lstStyle/>
               <a:p>
+                <a:pPr/>
                 <a14:m>
                   <m:oMathPara xmlns:m="http://schemas.openxmlformats.org/officeDocument/2006/math">
                     <m:oMathParaPr>
@@ -6958,19 +7627,27 @@
                     </m:oMathParaPr>
                     <m:oMath xmlns:m="http://schemas.openxmlformats.org/officeDocument/2006/math">
                       <m:r>
-                        <a:rPr lang="en-US" i="1"/>
+                        <a:rPr lang="en-US" i="1">
+                          <a:latin typeface="Cambria Math"/>
+                        </a:rPr>
                         <m:t>𝜆</m:t>
                       </m:r>
                       <m:r>
-                        <a:rPr lang="en-US" i="1"/>
+                        <a:rPr lang="en-US" i="1">
+                          <a:latin typeface="Cambria Math"/>
+                        </a:rPr>
                         <m:t>𝑥</m:t>
                       </m:r>
                       <m:r>
-                        <a:rPr lang="en-US" i="1"/>
+                        <a:rPr lang="en-US" i="1">
+                          <a:latin typeface="Cambria Math"/>
+                        </a:rPr>
                         <m:t>=</m:t>
                       </m:r>
                       <m:r>
-                        <a:rPr lang="en-US" i="1"/>
+                        <a:rPr lang="en-US" i="1">
+                          <a:latin typeface="Cambria Math"/>
+                        </a:rPr>
                         <m:t>𝐾</m:t>
                       </m:r>
                       <m:d>
@@ -6978,7 +7655,9 @@
                           <m:begChr m:val="["/>
                           <m:endChr m:val="]"/>
                           <m:ctrlPr>
-                            <a:rPr lang="en-US" i="1"/>
+                            <a:rPr lang="en-US" i="1">
+                              <a:latin typeface="Cambria Math"/>
+                            </a:rPr>
                           </m:ctrlPr>
                         </m:dPr>
                         <m:e>
@@ -6993,7 +7672,9 @@
                                 </m:mc>
                               </m:mcs>
                               <m:ctrlPr>
-                                <a:rPr lang="en-US" i="1"/>
+                                <a:rPr lang="en-US" i="1">
+                                  <a:latin typeface="Cambria Math"/>
+                                </a:rPr>
                               </m:ctrlPr>
                             </m:mPr>
                             <m:mr>
@@ -7001,18 +7682,24 @@
                                 <m:sSub>
                                   <m:sSubPr>
                                     <m:ctrlPr>
-                                      <a:rPr lang="en-US" i="1"/>
+                                      <a:rPr lang="en-US" i="1">
+                                        <a:latin typeface="Cambria Math"/>
+                                      </a:rPr>
                                     </m:ctrlPr>
                                   </m:sSubPr>
                                   <m:e>
                                     <m:r>
-                                      <a:rPr lang="en-US" i="1"/>
+                                      <a:rPr lang="en-US" i="1">
+                                        <a:latin typeface="Cambria Math"/>
+                                      </a:rPr>
                                       <m:t>𝑟</m:t>
                                     </m:r>
                                   </m:e>
                                   <m:sub>
                                     <m:r>
-                                      <a:rPr lang="en-US" i="1"/>
+                                      <a:rPr lang="en-US" i="1">
+                                        <a:latin typeface="Cambria Math"/>
+                                      </a:rPr>
                                       <m:t>1</m:t>
                                     </m:r>
                                   </m:sub>
@@ -7022,18 +7709,24 @@
                                 <m:sSub>
                                   <m:sSubPr>
                                     <m:ctrlPr>
-                                      <a:rPr lang="en-US" i="1"/>
+                                      <a:rPr lang="en-US" i="1">
+                                        <a:latin typeface="Cambria Math"/>
+                                      </a:rPr>
                                     </m:ctrlPr>
                                   </m:sSubPr>
                                   <m:e>
                                     <m:r>
-                                      <a:rPr lang="en-US" i="1"/>
+                                      <a:rPr lang="en-US" i="1">
+                                        <a:latin typeface="Cambria Math"/>
+                                      </a:rPr>
                                       <m:t>𝑟</m:t>
                                     </m:r>
                                   </m:e>
                                   <m:sub>
                                     <m:r>
-                                      <a:rPr lang="en-US" i="1"/>
+                                      <a:rPr lang="en-US" i="1">
+                                        <a:latin typeface="Cambria Math"/>
+                                      </a:rPr>
                                       <m:t>2</m:t>
                                     </m:r>
                                   </m:sub>
@@ -7043,18 +7736,24 @@
                                 <m:sSub>
                                   <m:sSubPr>
                                     <m:ctrlPr>
-                                      <a:rPr lang="en-US" i="1"/>
+                                      <a:rPr lang="en-US" i="1">
+                                        <a:latin typeface="Cambria Math"/>
+                                      </a:rPr>
                                     </m:ctrlPr>
                                   </m:sSubPr>
                                   <m:e>
                                     <m:r>
-                                      <a:rPr lang="en-US" i="1"/>
+                                      <a:rPr lang="en-US" i="1">
+                                        <a:latin typeface="Cambria Math"/>
+                                      </a:rPr>
                                       <m:t>𝑟</m:t>
                                     </m:r>
                                   </m:e>
                                   <m:sub>
                                     <m:r>
-                                      <a:rPr lang="en-US" i="1"/>
+                                      <a:rPr lang="en-US" i="1">
+                                        <a:latin typeface="Cambria Math"/>
+                                      </a:rPr>
                                       <m:t>3</m:t>
                                     </m:r>
                                   </m:sub>
@@ -7062,7 +7761,9 @@
                               </m:e>
                               <m:e>
                                 <m:r>
-                                  <a:rPr lang="en-US" i="1"/>
+                                  <a:rPr lang="en-US" i="1">
+                                    <a:latin typeface="Cambria Math"/>
+                                  </a:rPr>
                                   <m:t>𝑡</m:t>
                                 </m:r>
                               </m:e>
@@ -7075,7 +7776,9 @@
                           <m:begChr m:val="["/>
                           <m:endChr m:val="]"/>
                           <m:ctrlPr>
-                            <a:rPr lang="en-US" i="1"/>
+                            <a:rPr lang="en-US" i="1">
+                              <a:latin typeface="Cambria Math"/>
+                            </a:rPr>
                           </m:ctrlPr>
                         </m:dPr>
                         <m:e>
@@ -7090,13 +7793,17 @@
                                 </m:mc>
                               </m:mcs>
                               <m:ctrlPr>
-                                <a:rPr lang="en-US" i="1"/>
+                                <a:rPr lang="en-US" i="1">
+                                  <a:latin typeface="Cambria Math"/>
+                                </a:rPr>
                               </m:ctrlPr>
                             </m:mPr>
                             <m:mr>
                               <m:e>
                                 <m:r>
-                                  <a:rPr lang="en-US" i="1"/>
+                                  <a:rPr lang="en-US" i="1">
+                                    <a:latin typeface="Cambria Math"/>
+                                  </a:rPr>
                                   <m:t>𝑋</m:t>
                                 </m:r>
                               </m:e>
@@ -7104,7 +7811,9 @@
                             <m:mr>
                               <m:e>
                                 <m:r>
-                                  <a:rPr lang="en-US" i="1"/>
+                                  <a:rPr lang="en-US" i="1">
+                                    <a:latin typeface="Cambria Math"/>
+                                  </a:rPr>
                                   <m:t>𝑌</m:t>
                                 </m:r>
                               </m:e>
@@ -7112,7 +7821,9 @@
                             <m:mr>
                               <m:e>
                                 <m:r>
-                                  <a:rPr lang="en-US" i="1"/>
+                                  <a:rPr lang="en-US" i="1">
+                                    <a:latin typeface="Cambria Math"/>
+                                  </a:rPr>
                                   <m:t>0</m:t>
                                 </m:r>
                               </m:e>
@@ -7120,7 +7831,9 @@
                             <m:mr>
                               <m:e>
                                 <m:r>
-                                  <a:rPr lang="en-US" i="1"/>
+                                  <a:rPr lang="en-US" i="1">
+                                    <a:latin typeface="Cambria Math"/>
+                                  </a:rPr>
                                   <m:t>1</m:t>
                                 </m:r>
                               </m:e>
@@ -7136,7 +7849,7 @@
             </p:txBody>
           </p:sp>
         </mc:Choice>
-        <mc:Fallback>
+        <mc:Fallback xmlns="">
           <p:sp>
             <p:nvSpPr>
               <p:cNvPr id="8" name="Rectangle 7"/>
@@ -7175,8 +7888,8 @@
           </p:sp>
         </mc:Fallback>
       </mc:AlternateContent>
-      <mc:AlternateContent xmlns:mc="http://schemas.openxmlformats.org/markup-compatibility/2006">
-        <mc:Choice xmlns:a14="http://schemas.microsoft.com/office/drawing/2010/main" Requires="a14">
+      <mc:AlternateContent xmlns:mc="http://schemas.openxmlformats.org/markup-compatibility/2006" xmlns:a14="http://schemas.microsoft.com/office/drawing/2010/main">
+        <mc:Choice Requires="a14">
           <p:sp>
             <p:nvSpPr>
               <p:cNvPr id="9" name="Rectangle 8"/>
@@ -7198,6 +7911,7 @@
               </a:bodyPr>
               <a:lstStyle/>
               <a:p>
+                <a:pPr/>
                 <a14:m>
                   <m:oMathPara xmlns:m="http://schemas.openxmlformats.org/officeDocument/2006/math">
                     <m:oMathParaPr>
@@ -7205,19 +7919,27 @@
                     </m:oMathParaPr>
                     <m:oMath xmlns:m="http://schemas.openxmlformats.org/officeDocument/2006/math">
                       <m:r>
-                        <a:rPr lang="en-US" i="1"/>
+                        <a:rPr lang="en-US" i="1">
+                          <a:latin typeface="Cambria Math"/>
+                        </a:rPr>
                         <m:t>𝜆</m:t>
                       </m:r>
                       <m:r>
-                        <a:rPr lang="en-US" i="1"/>
+                        <a:rPr lang="en-US" i="1">
+                          <a:latin typeface="Cambria Math"/>
+                        </a:rPr>
                         <m:t>𝑥</m:t>
                       </m:r>
                       <m:r>
-                        <a:rPr lang="en-US" i="1"/>
+                        <a:rPr lang="en-US" i="1">
+                          <a:latin typeface="Cambria Math"/>
+                        </a:rPr>
                         <m:t>=</m:t>
                       </m:r>
                       <m:r>
-                        <a:rPr lang="en-US" i="1"/>
+                        <a:rPr lang="en-US" i="1">
+                          <a:latin typeface="Cambria Math"/>
+                        </a:rPr>
                         <m:t>𝐾</m:t>
                       </m:r>
                       <m:d>
@@ -7225,7 +7947,9 @@
                           <m:begChr m:val="["/>
                           <m:endChr m:val="]"/>
                           <m:ctrlPr>
-                            <a:rPr lang="en-US" i="1"/>
+                            <a:rPr lang="en-US" i="1">
+                              <a:latin typeface="Cambria Math"/>
+                            </a:rPr>
                           </m:ctrlPr>
                         </m:dPr>
                         <m:e>
@@ -7240,7 +7964,9 @@
                                 </m:mc>
                               </m:mcs>
                               <m:ctrlPr>
-                                <a:rPr lang="en-US" i="1"/>
+                                <a:rPr lang="en-US" i="1">
+                                  <a:latin typeface="Cambria Math"/>
+                                </a:rPr>
                               </m:ctrlPr>
                             </m:mPr>
                             <m:mr>
@@ -7248,18 +7974,24 @@
                                 <m:sSub>
                                   <m:sSubPr>
                                     <m:ctrlPr>
-                                      <a:rPr lang="en-US" i="1"/>
+                                      <a:rPr lang="en-US" i="1">
+                                        <a:latin typeface="Cambria Math"/>
+                                      </a:rPr>
                                     </m:ctrlPr>
                                   </m:sSubPr>
                                   <m:e>
                                     <m:r>
-                                      <a:rPr lang="en-US" i="1"/>
+                                      <a:rPr lang="en-US" i="1">
+                                        <a:latin typeface="Cambria Math"/>
+                                      </a:rPr>
                                       <m:t>𝑟</m:t>
                                     </m:r>
                                   </m:e>
                                   <m:sub>
                                     <m:r>
-                                      <a:rPr lang="en-US" i="1"/>
+                                      <a:rPr lang="en-US" i="1">
+                                        <a:latin typeface="Cambria Math"/>
+                                      </a:rPr>
                                       <m:t>1</m:t>
                                     </m:r>
                                   </m:sub>
@@ -7269,18 +8001,24 @@
                                 <m:sSub>
                                   <m:sSubPr>
                                     <m:ctrlPr>
-                                      <a:rPr lang="en-US" i="1"/>
+                                      <a:rPr lang="en-US" i="1">
+                                        <a:latin typeface="Cambria Math"/>
+                                      </a:rPr>
                                     </m:ctrlPr>
                                   </m:sSubPr>
                                   <m:e>
                                     <m:r>
-                                      <a:rPr lang="en-US" i="1"/>
+                                      <a:rPr lang="en-US" i="1">
+                                        <a:latin typeface="Cambria Math"/>
+                                      </a:rPr>
                                       <m:t>𝑟</m:t>
                                     </m:r>
                                   </m:e>
                                   <m:sub>
                                     <m:r>
-                                      <a:rPr lang="en-US" i="1"/>
+                                      <a:rPr lang="en-US" i="1">
+                                        <a:latin typeface="Cambria Math"/>
+                                      </a:rPr>
                                       <m:t>2</m:t>
                                     </m:r>
                                   </m:sub>
@@ -7288,7 +8026,9 @@
                               </m:e>
                               <m:e>
                                 <m:r>
-                                  <a:rPr lang="en-US" i="1"/>
+                                  <a:rPr lang="en-US" i="1">
+                                    <a:latin typeface="Cambria Math"/>
+                                  </a:rPr>
                                   <m:t>𝑡</m:t>
                                 </m:r>
                               </m:e>
@@ -7301,7 +8041,9 @@
                           <m:begChr m:val="["/>
                           <m:endChr m:val="]"/>
                           <m:ctrlPr>
-                            <a:rPr lang="en-US" i="1"/>
+                            <a:rPr lang="en-US" i="1">
+                              <a:latin typeface="Cambria Math"/>
+                            </a:rPr>
                           </m:ctrlPr>
                         </m:dPr>
                         <m:e>
@@ -7316,13 +8058,17 @@
                                 </m:mc>
                               </m:mcs>
                               <m:ctrlPr>
-                                <a:rPr lang="en-US" i="1"/>
+                                <a:rPr lang="en-US" i="1">
+                                  <a:latin typeface="Cambria Math"/>
+                                </a:rPr>
                               </m:ctrlPr>
                             </m:mPr>
                             <m:mr>
                               <m:e>
                                 <m:r>
-                                  <a:rPr lang="en-US" i="1"/>
+                                  <a:rPr lang="en-US" i="1">
+                                    <a:latin typeface="Cambria Math"/>
+                                  </a:rPr>
                                   <m:t>𝑋</m:t>
                                 </m:r>
                               </m:e>
@@ -7330,7 +8076,9 @@
                             <m:mr>
                               <m:e>
                                 <m:r>
-                                  <a:rPr lang="en-US" i="1"/>
+                                  <a:rPr lang="en-US" i="1">
+                                    <a:latin typeface="Cambria Math"/>
+                                  </a:rPr>
                                   <m:t>𝑌</m:t>
                                 </m:r>
                               </m:e>
@@ -7338,7 +8086,9 @@
                             <m:mr>
                               <m:e>
                                 <m:r>
-                                  <a:rPr lang="en-US" i="1"/>
+                                  <a:rPr lang="en-US" i="1">
+                                    <a:latin typeface="Cambria Math"/>
+                                  </a:rPr>
                                   <m:t>1</m:t>
                                 </m:r>
                               </m:e>
@@ -7347,11 +8097,15 @@
                         </m:e>
                       </m:d>
                       <m:r>
-                        <a:rPr lang="en-US" i="1"/>
+                        <a:rPr lang="en-US" i="1">
+                          <a:latin typeface="Cambria Math"/>
+                        </a:rPr>
                         <m:t>=</m:t>
                       </m:r>
                       <m:r>
-                        <a:rPr lang="en-US" i="1"/>
+                        <a:rPr lang="en-US" i="1">
+                          <a:latin typeface="Cambria Math"/>
+                        </a:rPr>
                         <m:t>𝐻</m:t>
                       </m:r>
                       <m:d>
@@ -7359,7 +8113,9 @@
                           <m:begChr m:val="["/>
                           <m:endChr m:val="]"/>
                           <m:ctrlPr>
-                            <a:rPr lang="en-US" i="1"/>
+                            <a:rPr lang="en-US" i="1">
+                              <a:latin typeface="Cambria Math"/>
+                            </a:rPr>
                           </m:ctrlPr>
                         </m:dPr>
                         <m:e>
@@ -7374,13 +8130,17 @@
                                 </m:mc>
                               </m:mcs>
                               <m:ctrlPr>
-                                <a:rPr lang="en-US" i="1"/>
+                                <a:rPr lang="en-US" i="1">
+                                  <a:latin typeface="Cambria Math"/>
+                                </a:rPr>
                               </m:ctrlPr>
                             </m:mPr>
                             <m:mr>
                               <m:e>
                                 <m:r>
-                                  <a:rPr lang="en-US" i="1"/>
+                                  <a:rPr lang="en-US" i="1">
+                                    <a:latin typeface="Cambria Math"/>
+                                  </a:rPr>
                                   <m:t>𝑋</m:t>
                                 </m:r>
                               </m:e>
@@ -7388,7 +8148,9 @@
                             <m:mr>
                               <m:e>
                                 <m:r>
-                                  <a:rPr lang="en-US" i="1"/>
+                                  <a:rPr lang="en-US" i="1">
+                                    <a:latin typeface="Cambria Math"/>
+                                  </a:rPr>
                                   <m:t>𝑌</m:t>
                                 </m:r>
                               </m:e>
@@ -7396,7 +8158,9 @@
                             <m:mr>
                               <m:e>
                                 <m:r>
-                                  <a:rPr lang="en-US" i="1"/>
+                                  <a:rPr lang="en-US" i="1">
+                                    <a:latin typeface="Cambria Math"/>
+                                  </a:rPr>
                                   <m:t>1</m:t>
                                 </m:r>
                               </m:e>
@@ -7405,7 +8169,9 @@
                         </m:e>
                       </m:d>
                       <m:r>
-                        <a:rPr lang="en-US" i="1"/>
+                        <a:rPr lang="en-US" i="1">
+                          <a:latin typeface="Cambria Math"/>
+                        </a:rPr>
                         <m:t>=</m:t>
                       </m:r>
                       <m:d>
@@ -7413,7 +8179,9 @@
                           <m:begChr m:val="["/>
                           <m:endChr m:val="]"/>
                           <m:ctrlPr>
-                            <a:rPr lang="en-US" i="1"/>
+                            <a:rPr lang="en-US" i="1">
+                              <a:latin typeface="Cambria Math"/>
+                            </a:rPr>
                           </m:ctrlPr>
                         </m:dPr>
                         <m:e>
@@ -7428,7 +8196,9 @@
                                 </m:mc>
                               </m:mcs>
                               <m:ctrlPr>
-                                <a:rPr lang="en-US" i="1"/>
+                                <a:rPr lang="en-US" i="1">
+                                  <a:latin typeface="Cambria Math"/>
+                                </a:rPr>
                               </m:ctrlPr>
                             </m:mPr>
                             <m:mr>
@@ -7436,18 +8206,24 @@
                                 <m:sSub>
                                   <m:sSubPr>
                                     <m:ctrlPr>
-                                      <a:rPr lang="en-US" i="1"/>
+                                      <a:rPr lang="en-US" i="1">
+                                        <a:latin typeface="Cambria Math"/>
+                                      </a:rPr>
                                     </m:ctrlPr>
                                   </m:sSubPr>
                                   <m:e>
                                     <m:r>
-                                      <a:rPr lang="en-US" i="1"/>
+                                      <a:rPr lang="en-US" i="1">
+                                        <a:latin typeface="Cambria Math"/>
+                                      </a:rPr>
                                       <m:t>h</m:t>
                                     </m:r>
                                   </m:e>
                                   <m:sub>
                                     <m:r>
-                                      <a:rPr lang="en-US" i="1"/>
+                                      <a:rPr lang="en-US" i="1">
+                                        <a:latin typeface="Cambria Math"/>
+                                      </a:rPr>
                                       <m:t>1</m:t>
                                     </m:r>
                                   </m:sub>
@@ -7457,18 +8233,24 @@
                                 <m:sSub>
                                   <m:sSubPr>
                                     <m:ctrlPr>
-                                      <a:rPr lang="en-US" i="1"/>
+                                      <a:rPr lang="en-US" i="1">
+                                        <a:latin typeface="Cambria Math"/>
+                                      </a:rPr>
                                     </m:ctrlPr>
                                   </m:sSubPr>
                                   <m:e>
                                     <m:r>
-                                      <a:rPr lang="en-US" i="1"/>
+                                      <a:rPr lang="en-US" i="1">
+                                        <a:latin typeface="Cambria Math"/>
+                                      </a:rPr>
                                       <m:t>h</m:t>
                                     </m:r>
                                   </m:e>
                                   <m:sub>
                                     <m:r>
-                                      <a:rPr lang="en-US" i="1"/>
+                                      <a:rPr lang="en-US" i="1">
+                                        <a:latin typeface="Cambria Math"/>
+                                      </a:rPr>
                                       <m:t>2</m:t>
                                     </m:r>
                                   </m:sub>
@@ -7478,18 +8260,24 @@
                                 <m:sSub>
                                   <m:sSubPr>
                                     <m:ctrlPr>
-                                      <a:rPr lang="en-US" i="1"/>
+                                      <a:rPr lang="en-US" i="1">
+                                        <a:latin typeface="Cambria Math"/>
+                                      </a:rPr>
                                     </m:ctrlPr>
                                   </m:sSubPr>
                                   <m:e>
                                     <m:r>
-                                      <a:rPr lang="en-US" i="1"/>
+                                      <a:rPr lang="en-US" i="1">
+                                        <a:latin typeface="Cambria Math"/>
+                                      </a:rPr>
                                       <m:t>h</m:t>
                                     </m:r>
                                   </m:e>
                                   <m:sub>
                                     <m:r>
-                                      <a:rPr lang="en-US" i="1"/>
+                                      <a:rPr lang="en-US" i="1">
+                                        <a:latin typeface="Cambria Math"/>
+                                      </a:rPr>
                                       <m:t>3</m:t>
                                     </m:r>
                                   </m:sub>
@@ -7504,7 +8292,9 @@
                           <m:begChr m:val="["/>
                           <m:endChr m:val="]"/>
                           <m:ctrlPr>
-                            <a:rPr lang="en-US" i="1"/>
+                            <a:rPr lang="en-US" i="1">
+                              <a:latin typeface="Cambria Math"/>
+                            </a:rPr>
                           </m:ctrlPr>
                         </m:dPr>
                         <m:e>
@@ -7519,13 +8309,17 @@
                                 </m:mc>
                               </m:mcs>
                               <m:ctrlPr>
-                                <a:rPr lang="en-US" i="1"/>
+                                <a:rPr lang="en-US" i="1">
+                                  <a:latin typeface="Cambria Math"/>
+                                </a:rPr>
                               </m:ctrlPr>
                             </m:mPr>
                             <m:mr>
                               <m:e>
                                 <m:r>
-                                  <a:rPr lang="en-US" i="1"/>
+                                  <a:rPr lang="en-US" i="1">
+                                    <a:latin typeface="Cambria Math"/>
+                                  </a:rPr>
                                   <m:t>𝑋</m:t>
                                 </m:r>
                               </m:e>
@@ -7533,7 +8327,9 @@
                             <m:mr>
                               <m:e>
                                 <m:r>
-                                  <a:rPr lang="en-US" i="1"/>
+                                  <a:rPr lang="en-US" i="1">
+                                    <a:latin typeface="Cambria Math"/>
+                                  </a:rPr>
                                   <m:t>𝑌</m:t>
                                 </m:r>
                               </m:e>
@@ -7541,7 +8337,9 @@
                             <m:mr>
                               <m:e>
                                 <m:r>
-                                  <a:rPr lang="en-US" i="1"/>
+                                  <a:rPr lang="en-US" i="1">
+                                    <a:latin typeface="Cambria Math"/>
+                                  </a:rPr>
                                   <m:t>1</m:t>
                                 </m:r>
                               </m:e>
@@ -7557,7 +8355,7 @@
             </p:txBody>
           </p:sp>
         </mc:Choice>
-        <mc:Fallback>
+        <mc:Fallback xmlns="">
           <p:sp>
             <p:nvSpPr>
               <p:cNvPr id="9" name="Rectangle 8"/>
@@ -7596,8 +8394,8 @@
           </p:sp>
         </mc:Fallback>
       </mc:AlternateContent>
-      <mc:AlternateContent xmlns:mc="http://schemas.openxmlformats.org/markup-compatibility/2006">
-        <mc:Choice xmlns:a14="http://schemas.microsoft.com/office/drawing/2010/main" Requires="a14">
+      <mc:AlternateContent xmlns:mc="http://schemas.openxmlformats.org/markup-compatibility/2006" xmlns:a14="http://schemas.microsoft.com/office/drawing/2010/main">
+        <mc:Choice Requires="a14">
           <p:sp>
             <p:nvSpPr>
               <p:cNvPr id="10" name="Rectangle 9"/>
@@ -7619,6 +8417,7 @@
               </a:bodyPr>
               <a:lstStyle/>
               <a:p>
+                <a:pPr/>
                 <a14:m>
                   <m:oMathPara xmlns:m="http://schemas.openxmlformats.org/officeDocument/2006/math">
                     <m:oMathParaPr>
@@ -7628,45 +8427,61 @@
                       <m:sSub>
                         <m:sSubPr>
                           <m:ctrlPr>
-                            <a:rPr lang="en-US" i="1"/>
+                            <a:rPr lang="en-US" i="1">
+                              <a:latin typeface="Cambria Math"/>
+                            </a:rPr>
                           </m:ctrlPr>
                         </m:sSubPr>
                         <m:e>
                           <m:r>
-                            <a:rPr lang="en-US" i="1"/>
+                            <a:rPr lang="en-US" i="1">
+                              <a:latin typeface="Cambria Math"/>
+                            </a:rPr>
                             <m:t>𝑟</m:t>
                           </m:r>
                         </m:e>
                         <m:sub>
                           <m:r>
-                            <a:rPr lang="en-US" i="1"/>
+                            <a:rPr lang="en-US" i="1">
+                              <a:latin typeface="Cambria Math"/>
+                            </a:rPr>
                             <m:t>1</m:t>
                           </m:r>
                         </m:sub>
                       </m:sSub>
                       <m:r>
-                        <a:rPr lang="en-US" i="1"/>
+                        <a:rPr lang="en-US" i="1">
+                          <a:latin typeface="Cambria Math"/>
+                        </a:rPr>
                         <m:t>=</m:t>
                       </m:r>
                       <m:sSup>
                         <m:sSupPr>
                           <m:ctrlPr>
-                            <a:rPr lang="en-US" i="1"/>
+                            <a:rPr lang="en-US" i="1">
+                              <a:latin typeface="Cambria Math"/>
+                            </a:rPr>
                           </m:ctrlPr>
                         </m:sSupPr>
                         <m:e>
                           <m:r>
-                            <a:rPr lang="en-US" i="1"/>
+                            <a:rPr lang="en-US" i="1">
+                              <a:latin typeface="Cambria Math"/>
+                            </a:rPr>
                             <m:t>𝜆</m:t>
                           </m:r>
                           <m:r>
-                            <a:rPr lang="en-US" i="1"/>
+                            <a:rPr lang="en-US" i="1">
+                              <a:latin typeface="Cambria Math"/>
+                            </a:rPr>
                             <m:t>𝐾</m:t>
                           </m:r>
                         </m:e>
                         <m:sup>
                           <m:r>
-                            <a:rPr lang="en-US" i="1"/>
+                            <a:rPr lang="en-US" i="1">
+                              <a:latin typeface="Cambria Math"/>
+                            </a:rPr>
                             <m:t>−1</m:t>
                           </m:r>
                         </m:sup>
@@ -7674,18 +8489,24 @@
                       <m:sSub>
                         <m:sSubPr>
                           <m:ctrlPr>
-                            <a:rPr lang="en-US" i="1"/>
+                            <a:rPr lang="en-US" i="1">
+                              <a:latin typeface="Cambria Math"/>
+                            </a:rPr>
                           </m:ctrlPr>
                         </m:sSubPr>
                         <m:e>
                           <m:r>
-                            <a:rPr lang="en-US" i="1"/>
+                            <a:rPr lang="en-US" i="1">
+                              <a:latin typeface="Cambria Math"/>
+                            </a:rPr>
                             <m:t>h</m:t>
                           </m:r>
                         </m:e>
                         <m:sub>
                           <m:r>
-                            <a:rPr lang="en-US" i="1"/>
+                            <a:rPr lang="en-US" i="1">
+                              <a:latin typeface="Cambria Math"/>
+                            </a:rPr>
                             <m:t>1</m:t>
                           </m:r>
                         </m:sub>
@@ -7698,7 +8519,7 @@
             </p:txBody>
           </p:sp>
         </mc:Choice>
-        <mc:Fallback>
+        <mc:Fallback xmlns="">
           <p:sp>
             <p:nvSpPr>
               <p:cNvPr id="10" name="Rectangle 9"/>
@@ -7737,8 +8558,8 @@
           </p:sp>
         </mc:Fallback>
       </mc:AlternateContent>
-      <mc:AlternateContent xmlns:mc="http://schemas.openxmlformats.org/markup-compatibility/2006">
-        <mc:Choice xmlns:a14="http://schemas.microsoft.com/office/drawing/2010/main" Requires="a14">
+      <mc:AlternateContent xmlns:mc="http://schemas.openxmlformats.org/markup-compatibility/2006" xmlns:a14="http://schemas.microsoft.com/office/drawing/2010/main">
+        <mc:Choice Requires="a14">
           <p:sp>
             <p:nvSpPr>
               <p:cNvPr id="11" name="Rectangle 10"/>
@@ -7760,6 +8581,7 @@
               </a:bodyPr>
               <a:lstStyle/>
               <a:p>
+                <a:pPr/>
                 <a14:m>
                   <m:oMathPara xmlns:m="http://schemas.openxmlformats.org/officeDocument/2006/math">
                     <m:oMathParaPr>
@@ -7769,45 +8591,61 @@
                       <m:sSub>
                         <m:sSubPr>
                           <m:ctrlPr>
-                            <a:rPr lang="en-US" i="1" smtClean="0"/>
+                            <a:rPr lang="en-US" i="1" smtClean="0">
+                              <a:latin typeface="Cambria Math"/>
+                            </a:rPr>
                           </m:ctrlPr>
                         </m:sSubPr>
                         <m:e>
                           <m:r>
-                            <a:rPr lang="en-US" i="1"/>
+                            <a:rPr lang="en-US" i="1">
+                              <a:latin typeface="Cambria Math"/>
+                            </a:rPr>
                             <m:t>𝑟</m:t>
                           </m:r>
                         </m:e>
                         <m:sub>
                           <m:r>
-                            <a:rPr lang="en-US" i="1"/>
+                            <a:rPr lang="en-US" i="1">
+                              <a:latin typeface="Cambria Math"/>
+                            </a:rPr>
                             <m:t>2</m:t>
                           </m:r>
                         </m:sub>
                       </m:sSub>
                       <m:r>
-                        <a:rPr lang="en-US" i="1"/>
+                        <a:rPr lang="en-US" i="1">
+                          <a:latin typeface="Cambria Math"/>
+                        </a:rPr>
                         <m:t>=</m:t>
                       </m:r>
                       <m:sSup>
                         <m:sSupPr>
                           <m:ctrlPr>
-                            <a:rPr lang="en-US" i="1"/>
+                            <a:rPr lang="en-US" i="1">
+                              <a:latin typeface="Cambria Math"/>
+                            </a:rPr>
                           </m:ctrlPr>
                         </m:sSupPr>
                         <m:e>
                           <m:r>
-                            <a:rPr lang="en-US" i="1"/>
+                            <a:rPr lang="en-US" i="1">
+                              <a:latin typeface="Cambria Math"/>
+                            </a:rPr>
                             <m:t>𝜆</m:t>
                           </m:r>
                           <m:r>
-                            <a:rPr lang="en-US" i="1"/>
+                            <a:rPr lang="en-US" i="1">
+                              <a:latin typeface="Cambria Math"/>
+                            </a:rPr>
                             <m:t>𝐾</m:t>
                           </m:r>
                         </m:e>
                         <m:sup>
                           <m:r>
-                            <a:rPr lang="en-US" i="1"/>
+                            <a:rPr lang="en-US" i="1">
+                              <a:latin typeface="Cambria Math"/>
+                            </a:rPr>
                             <m:t>−1</m:t>
                           </m:r>
                         </m:sup>
@@ -7815,18 +8653,24 @@
                       <m:sSub>
                         <m:sSubPr>
                           <m:ctrlPr>
-                            <a:rPr lang="en-US" i="1"/>
+                            <a:rPr lang="en-US" i="1">
+                              <a:latin typeface="Cambria Math"/>
+                            </a:rPr>
                           </m:ctrlPr>
                         </m:sSubPr>
                         <m:e>
                           <m:r>
-                            <a:rPr lang="en-US" i="1"/>
+                            <a:rPr lang="en-US" i="1">
+                              <a:latin typeface="Cambria Math"/>
+                            </a:rPr>
                             <m:t>h</m:t>
                           </m:r>
                         </m:e>
                         <m:sub>
                           <m:r>
-                            <a:rPr lang="en-US" i="1"/>
+                            <a:rPr lang="en-US" i="1">
+                              <a:latin typeface="Cambria Math"/>
+                            </a:rPr>
                             <m:t>2</m:t>
                           </m:r>
                         </m:sub>
@@ -7839,7 +8683,7 @@
             </p:txBody>
           </p:sp>
         </mc:Choice>
-        <mc:Fallback>
+        <mc:Fallback xmlns="">
           <p:sp>
             <p:nvSpPr>
               <p:cNvPr id="11" name="Rectangle 10"/>
@@ -7878,8 +8722,8 @@
           </p:sp>
         </mc:Fallback>
       </mc:AlternateContent>
-      <mc:AlternateContent xmlns:mc="http://schemas.openxmlformats.org/markup-compatibility/2006">
-        <mc:Choice xmlns:a14="http://schemas.microsoft.com/office/drawing/2010/main" Requires="a14">
+      <mc:AlternateContent xmlns:mc="http://schemas.openxmlformats.org/markup-compatibility/2006" xmlns:a14="http://schemas.microsoft.com/office/drawing/2010/main">
+        <mc:Choice Requires="a14">
           <p:sp>
             <p:nvSpPr>
               <p:cNvPr id="12" name="Rectangle 11"/>
@@ -7901,6 +8745,7 @@
               </a:bodyPr>
               <a:lstStyle/>
               <a:p>
+                <a:pPr/>
                 <a14:m>
                   <m:oMathPara xmlns:m="http://schemas.openxmlformats.org/officeDocument/2006/math">
                     <m:oMathParaPr>
@@ -7910,64 +8755,86 @@
                       <m:sSub>
                         <m:sSubPr>
                           <m:ctrlPr>
-                            <a:rPr lang="en-US" i="1" smtClean="0"/>
+                            <a:rPr lang="en-US" i="1" smtClean="0">
+                              <a:latin typeface="Cambria Math"/>
+                            </a:rPr>
                           </m:ctrlPr>
                         </m:sSubPr>
                         <m:e>
                           <m:r>
-                            <a:rPr lang="en-US" i="1"/>
+                            <a:rPr lang="en-US" i="1">
+                              <a:latin typeface="Cambria Math"/>
+                            </a:rPr>
                             <m:t>𝑟</m:t>
                           </m:r>
                         </m:e>
                         <m:sub>
                           <m:r>
-                            <a:rPr lang="en-US" i="1"/>
+                            <a:rPr lang="en-US" i="1">
+                              <a:latin typeface="Cambria Math"/>
+                            </a:rPr>
                             <m:t>3</m:t>
                           </m:r>
                         </m:sub>
                       </m:sSub>
                       <m:r>
-                        <a:rPr lang="en-US" i="1"/>
+                        <a:rPr lang="en-US" i="1">
+                          <a:latin typeface="Cambria Math"/>
+                        </a:rPr>
                         <m:t>=</m:t>
                       </m:r>
                       <m:sSub>
                         <m:sSubPr>
                           <m:ctrlPr>
-                            <a:rPr lang="en-US" i="1"/>
+                            <a:rPr lang="en-US" i="1">
+                              <a:latin typeface="Cambria Math"/>
+                            </a:rPr>
                           </m:ctrlPr>
                         </m:sSubPr>
                         <m:e>
                           <m:r>
-                            <a:rPr lang="en-US" i="1"/>
+                            <a:rPr lang="en-US" i="1">
+                              <a:latin typeface="Cambria Math"/>
+                            </a:rPr>
                             <m:t>𝑟</m:t>
                           </m:r>
                         </m:e>
                         <m:sub>
                           <m:r>
-                            <a:rPr lang="en-US" i="1"/>
+                            <a:rPr lang="en-US" i="1">
+                              <a:latin typeface="Cambria Math"/>
+                            </a:rPr>
                             <m:t>1</m:t>
                           </m:r>
                         </m:sub>
                       </m:sSub>
                       <m:r>
-                        <a:rPr lang="en-US" i="1"/>
+                        <a:rPr lang="en-US" i="1">
+                          <a:latin typeface="Cambria Math"/>
+                        </a:rPr>
                         <m:t>×</m:t>
                       </m:r>
                       <m:sSub>
                         <m:sSubPr>
                           <m:ctrlPr>
-                            <a:rPr lang="en-US" i="1"/>
+                            <a:rPr lang="en-US" i="1">
+                              <a:latin typeface="Cambria Math"/>
+                            </a:rPr>
                           </m:ctrlPr>
                         </m:sSubPr>
                         <m:e>
                           <m:r>
-                            <a:rPr lang="en-US" i="1"/>
+                            <a:rPr lang="en-US" i="1">
+                              <a:latin typeface="Cambria Math"/>
+                            </a:rPr>
                             <m:t>𝑟</m:t>
                           </m:r>
                         </m:e>
                         <m:sub>
                           <m:r>
-                            <a:rPr lang="en-US" i="1"/>
+                            <a:rPr lang="en-US" i="1">
+                              <a:latin typeface="Cambria Math"/>
+                            </a:rPr>
                             <m:t>2</m:t>
                           </m:r>
                         </m:sub>
@@ -7980,7 +8847,7 @@
             </p:txBody>
           </p:sp>
         </mc:Choice>
-        <mc:Fallback>
+        <mc:Fallback xmlns="">
           <p:sp>
             <p:nvSpPr>
               <p:cNvPr id="12" name="Rectangle 11"/>
@@ -8019,8 +8886,8 @@
           </p:sp>
         </mc:Fallback>
       </mc:AlternateContent>
-      <mc:AlternateContent xmlns:mc="http://schemas.openxmlformats.org/markup-compatibility/2006">
-        <mc:Choice xmlns:a14="http://schemas.microsoft.com/office/drawing/2010/main" Requires="a14">
+      <mc:AlternateContent xmlns:mc="http://schemas.openxmlformats.org/markup-compatibility/2006" xmlns:a14="http://schemas.microsoft.com/office/drawing/2010/main">
+        <mc:Choice Requires="a14">
           <p:sp>
             <p:nvSpPr>
               <p:cNvPr id="13" name="Rectangle 12"/>
@@ -8042,6 +8909,7 @@
               </a:bodyPr>
               <a:lstStyle/>
               <a:p>
+                <a:pPr/>
                 <a14:m>
                   <m:oMathPara xmlns:m="http://schemas.openxmlformats.org/officeDocument/2006/math">
                     <m:oMathParaPr>
@@ -8049,32 +8917,44 @@
                     </m:oMathParaPr>
                     <m:oMath xmlns:m="http://schemas.openxmlformats.org/officeDocument/2006/math">
                       <m:r>
-                        <a:rPr lang="en-US" i="1" smtClean="0"/>
+                        <a:rPr lang="en-US" i="1" smtClean="0">
+                          <a:latin typeface="Cambria Math"/>
+                        </a:rPr>
                         <m:t>𝑡</m:t>
                       </m:r>
                       <m:r>
-                        <a:rPr lang="en-US" i="1" smtClean="0"/>
+                        <a:rPr lang="en-US" i="1" smtClean="0">
+                          <a:latin typeface="Cambria Math"/>
+                        </a:rPr>
                         <m:t>=</m:t>
                       </m:r>
                       <m:sSup>
                         <m:sSupPr>
                           <m:ctrlPr>
-                            <a:rPr lang="en-US" i="1"/>
+                            <a:rPr lang="en-US" i="1">
+                              <a:latin typeface="Cambria Math"/>
+                            </a:rPr>
                           </m:ctrlPr>
                         </m:sSupPr>
                         <m:e>
                           <m:r>
-                            <a:rPr lang="en-US" i="1"/>
+                            <a:rPr lang="en-US" i="1">
+                              <a:latin typeface="Cambria Math"/>
+                            </a:rPr>
                             <m:t>𝜆</m:t>
                           </m:r>
                           <m:r>
-                            <a:rPr lang="en-US" i="1"/>
+                            <a:rPr lang="en-US" i="1">
+                              <a:latin typeface="Cambria Math"/>
+                            </a:rPr>
                             <m:t>𝐾</m:t>
                           </m:r>
                         </m:e>
                         <m:sup>
                           <m:r>
-                            <a:rPr lang="en-US" i="1"/>
+                            <a:rPr lang="en-US" i="1">
+                              <a:latin typeface="Cambria Math"/>
+                            </a:rPr>
                             <m:t>−1</m:t>
                           </m:r>
                         </m:sup>
@@ -8082,18 +8962,24 @@
                       <m:sSub>
                         <m:sSubPr>
                           <m:ctrlPr>
-                            <a:rPr lang="en-US" i="1"/>
+                            <a:rPr lang="en-US" i="1">
+                              <a:latin typeface="Cambria Math"/>
+                            </a:rPr>
                           </m:ctrlPr>
                         </m:sSubPr>
                         <m:e>
                           <m:r>
-                            <a:rPr lang="en-US" i="1"/>
+                            <a:rPr lang="en-US" i="1">
+                              <a:latin typeface="Cambria Math"/>
+                            </a:rPr>
                             <m:t>h</m:t>
                           </m:r>
                         </m:e>
                         <m:sub>
                           <m:r>
-                            <a:rPr lang="en-US" i="1"/>
+                            <a:rPr lang="en-US" i="1">
+                              <a:latin typeface="Cambria Math"/>
+                            </a:rPr>
                             <m:t>3</m:t>
                           </m:r>
                         </m:sub>
@@ -8106,7 +8992,7 @@
             </p:txBody>
           </p:sp>
         </mc:Choice>
-        <mc:Fallback>
+        <mc:Fallback xmlns="">
           <p:sp>
             <p:nvSpPr>
               <p:cNvPr id="13" name="Rectangle 12"/>
@@ -8145,8 +9031,8 @@
           </p:sp>
         </mc:Fallback>
       </mc:AlternateContent>
-      <mc:AlternateContent xmlns:mc="http://schemas.openxmlformats.org/markup-compatibility/2006">
-        <mc:Choice xmlns:a14="http://schemas.microsoft.com/office/drawing/2010/main" Requires="a14">
+      <mc:AlternateContent xmlns:mc="http://schemas.openxmlformats.org/markup-compatibility/2006" xmlns:a14="http://schemas.microsoft.com/office/drawing/2010/main">
+        <mc:Choice Requires="a14">
           <p:sp>
             <p:nvSpPr>
               <p:cNvPr id="14" name="Rectangle 13"/>
@@ -8168,6 +9054,7 @@
               </a:bodyPr>
               <a:lstStyle/>
               <a:p>
+                <a:pPr/>
                 <a14:m>
                   <m:oMathPara xmlns:m="http://schemas.openxmlformats.org/officeDocument/2006/math">
                     <m:oMathParaPr>
@@ -8175,22 +9062,30 @@
                     </m:oMathParaPr>
                     <m:oMath xmlns:m="http://schemas.openxmlformats.org/officeDocument/2006/math">
                       <m:r>
-                        <a:rPr lang="en-US" i="1" smtClean="0"/>
+                        <a:rPr lang="en-US" i="1" smtClean="0">
+                          <a:latin typeface="Cambria Math"/>
+                        </a:rPr>
                         <m:t>𝜆</m:t>
                       </m:r>
                       <m:r>
-                        <a:rPr lang="en-US" i="1" smtClean="0"/>
+                        <a:rPr lang="en-US" i="1" smtClean="0">
+                          <a:latin typeface="Cambria Math"/>
+                        </a:rPr>
                         <m:t>=</m:t>
                       </m:r>
                       <m:f>
                         <m:fPr>
                           <m:ctrlPr>
-                            <a:rPr lang="en-US" i="1"/>
+                            <a:rPr lang="en-US" i="1">
+                              <a:latin typeface="Cambria Math"/>
+                            </a:rPr>
                           </m:ctrlPr>
                         </m:fPr>
                         <m:num>
                           <m:r>
-                            <a:rPr lang="en-US" i="1"/>
+                            <a:rPr lang="en-US" i="1">
+                              <a:latin typeface="Cambria Math"/>
+                            </a:rPr>
                             <m:t>1</m:t>
                           </m:r>
                         </m:num>
@@ -8200,25 +9095,33 @@
                               <m:begChr m:val="‖"/>
                               <m:endChr m:val="‖"/>
                               <m:ctrlPr>
-                                <a:rPr lang="en-US" i="1"/>
+                                <a:rPr lang="en-US" i="1">
+                                  <a:latin typeface="Cambria Math"/>
+                                </a:rPr>
                               </m:ctrlPr>
                             </m:dPr>
                             <m:e>
                               <m:sSup>
                                 <m:sSupPr>
                                   <m:ctrlPr>
-                                    <a:rPr lang="en-US" i="1"/>
+                                    <a:rPr lang="en-US" i="1">
+                                      <a:latin typeface="Cambria Math"/>
+                                    </a:rPr>
                                   </m:ctrlPr>
                                 </m:sSupPr>
                                 <m:e>
                                   <m:r>
-                                    <a:rPr lang="en-US" i="1"/>
+                                    <a:rPr lang="en-US" i="1">
+                                      <a:latin typeface="Cambria Math"/>
+                                    </a:rPr>
                                     <m:t>𝐾</m:t>
                                   </m:r>
                                 </m:e>
                                 <m:sup>
                                   <m:r>
-                                    <a:rPr lang="en-US" i="1"/>
+                                    <a:rPr lang="en-US" i="1">
+                                      <a:latin typeface="Cambria Math"/>
+                                    </a:rPr>
                                     <m:t>−1</m:t>
                                   </m:r>
                                 </m:sup>
@@ -8226,18 +9129,24 @@
                               <m:sSub>
                                 <m:sSubPr>
                                   <m:ctrlPr>
-                                    <a:rPr lang="en-US" i="1"/>
+                                    <a:rPr lang="en-US" i="1">
+                                      <a:latin typeface="Cambria Math"/>
+                                    </a:rPr>
                                   </m:ctrlPr>
                                 </m:sSubPr>
                                 <m:e>
                                   <m:r>
-                                    <a:rPr lang="en-US" i="1"/>
+                                    <a:rPr lang="en-US" i="1">
+                                      <a:latin typeface="Cambria Math"/>
+                                    </a:rPr>
                                     <m:t>h</m:t>
                                   </m:r>
                                 </m:e>
                                 <m:sub>
                                   <m:r>
-                                    <a:rPr lang="en-US" i="1"/>
+                                    <a:rPr lang="en-US" i="1">
+                                      <a:latin typeface="Cambria Math"/>
+                                    </a:rPr>
                                     <m:t>1</m:t>
                                   </m:r>
                                 </m:sub>
@@ -8247,18 +9156,24 @@
                         </m:den>
                       </m:f>
                       <m:r>
-                        <a:rPr lang="en-US" i="1"/>
+                        <a:rPr lang="en-US" i="1">
+                          <a:latin typeface="Cambria Math"/>
+                        </a:rPr>
                         <m:t>=</m:t>
                       </m:r>
                       <m:f>
                         <m:fPr>
                           <m:ctrlPr>
-                            <a:rPr lang="en-US" i="1"/>
+                            <a:rPr lang="en-US" i="1">
+                              <a:latin typeface="Cambria Math"/>
+                            </a:rPr>
                           </m:ctrlPr>
                         </m:fPr>
                         <m:num>
                           <m:r>
-                            <a:rPr lang="en-US" i="1"/>
+                            <a:rPr lang="en-US" i="1">
+                              <a:latin typeface="Cambria Math"/>
+                            </a:rPr>
                             <m:t>1</m:t>
                           </m:r>
                         </m:num>
@@ -8268,25 +9183,33 @@
                               <m:begChr m:val="‖"/>
                               <m:endChr m:val="‖"/>
                               <m:ctrlPr>
-                                <a:rPr lang="en-US" i="1"/>
+                                <a:rPr lang="en-US" i="1">
+                                  <a:latin typeface="Cambria Math"/>
+                                </a:rPr>
                               </m:ctrlPr>
                             </m:dPr>
                             <m:e>
                               <m:sSup>
                                 <m:sSupPr>
                                   <m:ctrlPr>
-                                    <a:rPr lang="en-US" i="1"/>
+                                    <a:rPr lang="en-US" i="1">
+                                      <a:latin typeface="Cambria Math"/>
+                                    </a:rPr>
                                   </m:ctrlPr>
                                 </m:sSupPr>
                                 <m:e>
                                   <m:r>
-                                    <a:rPr lang="en-US" i="1"/>
+                                    <a:rPr lang="en-US" i="1">
+                                      <a:latin typeface="Cambria Math"/>
+                                    </a:rPr>
                                     <m:t>𝐾</m:t>
                                   </m:r>
                                 </m:e>
                                 <m:sup>
                                   <m:r>
-                                    <a:rPr lang="en-US" i="1"/>
+                                    <a:rPr lang="en-US" i="1">
+                                      <a:latin typeface="Cambria Math"/>
+                                    </a:rPr>
                                     <m:t>−1</m:t>
                                   </m:r>
                                 </m:sup>
@@ -8294,18 +9217,24 @@
                               <m:sSub>
                                 <m:sSubPr>
                                   <m:ctrlPr>
-                                    <a:rPr lang="en-US" i="1"/>
+                                    <a:rPr lang="en-US" i="1">
+                                      <a:latin typeface="Cambria Math"/>
+                                    </a:rPr>
                                   </m:ctrlPr>
                                 </m:sSubPr>
                                 <m:e>
                                   <m:r>
-                                    <a:rPr lang="en-US" i="1"/>
+                                    <a:rPr lang="en-US" i="1">
+                                      <a:latin typeface="Cambria Math"/>
+                                    </a:rPr>
                                     <m:t>h</m:t>
                                   </m:r>
                                 </m:e>
                                 <m:sub>
                                   <m:r>
-                                    <a:rPr lang="en-US" i="1"/>
+                                    <a:rPr lang="en-US" i="1">
+                                      <a:latin typeface="Cambria Math"/>
+                                    </a:rPr>
                                     <m:t>2</m:t>
                                   </m:r>
                                 </m:sub>
@@ -8322,7 +9251,7 @@
             </p:txBody>
           </p:sp>
         </mc:Choice>
-        <mc:Fallback>
+        <mc:Fallback xmlns="">
           <p:sp>
             <p:nvSpPr>
               <p:cNvPr id="14" name="Rectangle 13"/>
@@ -8361,8 +9290,8 @@
           </p:sp>
         </mc:Fallback>
       </mc:AlternateContent>
-      <mc:AlternateContent xmlns:mc="http://schemas.openxmlformats.org/markup-compatibility/2006">
-        <mc:Choice xmlns:a14="http://schemas.microsoft.com/office/drawing/2010/main" Requires="a14">
+      <mc:AlternateContent xmlns:mc="http://schemas.openxmlformats.org/markup-compatibility/2006" xmlns:a14="http://schemas.microsoft.com/office/drawing/2010/main">
+        <mc:Choice Requires="a14">
           <p:sp>
             <p:nvSpPr>
               <p:cNvPr id="15" name="Rectangle 14"/>
@@ -8384,6 +9313,7 @@
               </a:bodyPr>
               <a:lstStyle/>
               <a:p>
+                <a:pPr/>
                 <a14:m>
                   <m:oMathPara xmlns:m="http://schemas.openxmlformats.org/officeDocument/2006/math">
                     <m:oMathParaPr>
@@ -8391,11 +9321,15 @@
                     </m:oMathParaPr>
                     <m:oMath xmlns:m="http://schemas.openxmlformats.org/officeDocument/2006/math">
                       <m:r>
-                        <a:rPr lang="en-US" i="1" smtClean="0"/>
+                        <a:rPr lang="en-US" i="1" smtClean="0">
+                          <a:latin typeface="Cambria Math"/>
+                        </a:rPr>
                         <m:t>𝑅</m:t>
                       </m:r>
                       <m:r>
-                        <a:rPr lang="en-US" i="1" smtClean="0"/>
+                        <a:rPr lang="en-US" i="1" smtClean="0">
+                          <a:latin typeface="Cambria Math"/>
+                        </a:rPr>
                         <m:t>=</m:t>
                       </m:r>
                       <m:d>
@@ -8403,7 +9337,9 @@
                           <m:begChr m:val="["/>
                           <m:endChr m:val="]"/>
                           <m:ctrlPr>
-                            <a:rPr lang="en-US" i="1"/>
+                            <a:rPr lang="en-US" i="1">
+                              <a:latin typeface="Cambria Math"/>
+                            </a:rPr>
                           </m:ctrlPr>
                         </m:dPr>
                         <m:e>
@@ -8418,7 +9354,9 @@
                                 </m:mc>
                               </m:mcs>
                               <m:ctrlPr>
-                                <a:rPr lang="en-US" i="1"/>
+                                <a:rPr lang="en-US" i="1">
+                                  <a:latin typeface="Cambria Math"/>
+                                </a:rPr>
                               </m:ctrlPr>
                             </m:mPr>
                             <m:mr>
@@ -8426,18 +9364,24 @@
                                 <m:sSub>
                                   <m:sSubPr>
                                     <m:ctrlPr>
-                                      <a:rPr lang="en-US" i="1"/>
+                                      <a:rPr lang="en-US" i="1">
+                                        <a:latin typeface="Cambria Math"/>
+                                      </a:rPr>
                                     </m:ctrlPr>
                                   </m:sSubPr>
                                   <m:e>
                                     <m:r>
-                                      <a:rPr lang="en-US" i="1"/>
+                                      <a:rPr lang="en-US" i="1">
+                                        <a:latin typeface="Cambria Math"/>
+                                      </a:rPr>
                                       <m:t>𝑟</m:t>
                                     </m:r>
                                   </m:e>
                                   <m:sub>
                                     <m:r>
-                                      <a:rPr lang="en-US" i="1"/>
+                                      <a:rPr lang="en-US" i="1">
+                                        <a:latin typeface="Cambria Math"/>
+                                      </a:rPr>
                                       <m:t>1</m:t>
                                     </m:r>
                                   </m:sub>
@@ -8447,18 +9391,24 @@
                                 <m:sSub>
                                   <m:sSubPr>
                                     <m:ctrlPr>
-                                      <a:rPr lang="en-US" i="1"/>
+                                      <a:rPr lang="en-US" i="1">
+                                        <a:latin typeface="Cambria Math"/>
+                                      </a:rPr>
                                     </m:ctrlPr>
                                   </m:sSubPr>
                                   <m:e>
                                     <m:r>
-                                      <a:rPr lang="en-US" i="1"/>
+                                      <a:rPr lang="en-US" i="1">
+                                        <a:latin typeface="Cambria Math"/>
+                                      </a:rPr>
                                       <m:t>𝑟</m:t>
                                     </m:r>
                                   </m:e>
                                   <m:sub>
                                     <m:r>
-                                      <a:rPr lang="en-US" i="1"/>
+                                      <a:rPr lang="en-US" i="1">
+                                        <a:latin typeface="Cambria Math"/>
+                                      </a:rPr>
                                       <m:t>2</m:t>
                                     </m:r>
                                   </m:sub>
@@ -8468,18 +9418,24 @@
                                 <m:sSub>
                                   <m:sSubPr>
                                     <m:ctrlPr>
-                                      <a:rPr lang="en-US" i="1"/>
+                                      <a:rPr lang="en-US" i="1">
+                                        <a:latin typeface="Cambria Math"/>
+                                      </a:rPr>
                                     </m:ctrlPr>
                                   </m:sSubPr>
                                   <m:e>
                                     <m:r>
-                                      <a:rPr lang="en-US" i="1"/>
+                                      <a:rPr lang="en-US" i="1">
+                                        <a:latin typeface="Cambria Math"/>
+                                      </a:rPr>
                                       <m:t>𝑟</m:t>
                                     </m:r>
                                   </m:e>
                                   <m:sub>
                                     <m:r>
-                                      <a:rPr lang="en-US" i="1"/>
+                                      <a:rPr lang="en-US" i="1">
+                                        <a:latin typeface="Cambria Math"/>
+                                      </a:rPr>
                                       <m:t>3</m:t>
                                     </m:r>
                                   </m:sub>
@@ -8497,7 +9453,7 @@
             </p:txBody>
           </p:sp>
         </mc:Choice>
-        <mc:Fallback>
+        <mc:Fallback xmlns="">
           <p:sp>
             <p:nvSpPr>
               <p:cNvPr id="15" name="Rectangle 14"/>
@@ -8536,8 +9492,8 @@
           </p:sp>
         </mc:Fallback>
       </mc:AlternateContent>
-      <mc:AlternateContent xmlns:mc="http://schemas.openxmlformats.org/markup-compatibility/2006">
-        <mc:Choice xmlns:a14="http://schemas.microsoft.com/office/drawing/2010/main" Requires="a14">
+      <mc:AlternateContent xmlns:mc="http://schemas.openxmlformats.org/markup-compatibility/2006" xmlns:a14="http://schemas.microsoft.com/office/drawing/2010/main">
+        <mc:Choice Requires="a14">
           <p:sp>
             <p:nvSpPr>
               <p:cNvPr id="16" name="Rectangle 15"/>
@@ -8559,6 +9515,7 @@
               </a:bodyPr>
               <a:lstStyle/>
               <a:p>
+                <a:pPr/>
                 <a14:m>
                   <m:oMathPara xmlns:m="http://schemas.openxmlformats.org/officeDocument/2006/math">
                     <m:oMathParaPr>
@@ -8566,19 +9523,27 @@
                     </m:oMathParaPr>
                     <m:oMath xmlns:m="http://schemas.openxmlformats.org/officeDocument/2006/math">
                       <m:r>
-                        <a:rPr lang="en-US" i="1"/>
+                        <a:rPr lang="en-US" i="1">
+                          <a:latin typeface="Cambria Math"/>
+                        </a:rPr>
                         <m:t>𝑅</m:t>
                       </m:r>
                       <m:r>
-                        <a:rPr lang="en-US" i="1"/>
+                        <a:rPr lang="en-US" i="1">
+                          <a:latin typeface="Cambria Math"/>
+                        </a:rPr>
                         <m:t>=</m:t>
                       </m:r>
                       <m:r>
-                        <a:rPr lang="en-US" i="1"/>
+                        <a:rPr lang="en-US" i="1">
+                          <a:latin typeface="Cambria Math"/>
+                        </a:rPr>
                         <m:t>𝑈𝑆𝑉</m:t>
                       </m:r>
                       <m:r>
-                        <a:rPr lang="en-US" i="1"/>
+                        <a:rPr lang="en-US" i="1">
+                          <a:latin typeface="Cambria Math"/>
+                        </a:rPr>
                         <m:t>′</m:t>
                       </m:r>
                     </m:oMath>
@@ -8589,7 +9554,7 @@
             </p:txBody>
           </p:sp>
         </mc:Choice>
-        <mc:Fallback>
+        <mc:Fallback xmlns="">
           <p:sp>
             <p:nvSpPr>
               <p:cNvPr id="16" name="Rectangle 15"/>
@@ -8628,8 +9593,8 @@
           </p:sp>
         </mc:Fallback>
       </mc:AlternateContent>
-      <mc:AlternateContent xmlns:mc="http://schemas.openxmlformats.org/markup-compatibility/2006">
-        <mc:Choice xmlns:a14="http://schemas.microsoft.com/office/drawing/2010/main" Requires="a14">
+      <mc:AlternateContent xmlns:mc="http://schemas.openxmlformats.org/markup-compatibility/2006" xmlns:a14="http://schemas.microsoft.com/office/drawing/2010/main">
+        <mc:Choice Requires="a14">
           <p:sp>
             <p:nvSpPr>
               <p:cNvPr id="17" name="Rectangle 16"/>
@@ -8651,6 +9616,7 @@
               </a:bodyPr>
               <a:lstStyle/>
               <a:p>
+                <a:pPr/>
                 <a14:m>
                   <m:oMathPara xmlns:m="http://schemas.openxmlformats.org/officeDocument/2006/math">
                     <m:oMathParaPr>
@@ -8660,45 +9626,61 @@
                       <m:sSub>
                         <m:sSubPr>
                           <m:ctrlPr>
-                            <a:rPr lang="en-US" i="1"/>
+                            <a:rPr lang="en-US" i="1">
+                              <a:latin typeface="Cambria Math"/>
+                            </a:rPr>
                           </m:ctrlPr>
                         </m:sSubPr>
                         <m:e>
                           <m:r>
-                            <a:rPr lang="en-US" i="1"/>
+                            <a:rPr lang="en-US" i="1">
+                              <a:latin typeface="Cambria Math"/>
+                            </a:rPr>
                             <m:t>𝑅</m:t>
                           </m:r>
                         </m:e>
                         <m:sub>
                           <m:r>
-                            <a:rPr lang="en-US" i="1"/>
+                            <a:rPr lang="en-US" i="1">
+                              <a:latin typeface="Cambria Math"/>
+                            </a:rPr>
                             <m:t>𝑜𝑟𝑡h𝑜𝑔𝑜𝑛𝑎𝑙</m:t>
                           </m:r>
                         </m:sub>
                       </m:sSub>
                       <m:r>
-                        <a:rPr lang="en-US" i="1"/>
+                        <a:rPr lang="en-US" i="1">
+                          <a:latin typeface="Cambria Math"/>
+                        </a:rPr>
                         <m:t>=</m:t>
                       </m:r>
                       <m:r>
-                        <a:rPr lang="en-US" i="1"/>
+                        <a:rPr lang="en-US" i="1">
+                          <a:latin typeface="Cambria Math"/>
+                        </a:rPr>
                         <m:t>𝑈</m:t>
                       </m:r>
                       <m:sSup>
                         <m:sSupPr>
                           <m:ctrlPr>
-                            <a:rPr lang="en-US" i="1"/>
+                            <a:rPr lang="en-US" i="1">
+                              <a:latin typeface="Cambria Math"/>
+                            </a:rPr>
                           </m:ctrlPr>
                         </m:sSupPr>
                         <m:e>
                           <m:r>
-                            <a:rPr lang="en-US" i="1"/>
+                            <a:rPr lang="en-US" i="1">
+                              <a:latin typeface="Cambria Math"/>
+                            </a:rPr>
                             <m:t>𝑉</m:t>
                           </m:r>
                         </m:e>
                         <m:sup>
                           <m:r>
-                            <a:rPr lang="en-US" i="1"/>
+                            <a:rPr lang="en-US" i="1">
+                              <a:latin typeface="Cambria Math"/>
+                            </a:rPr>
                             <m:t>′</m:t>
                           </m:r>
                         </m:sup>
@@ -8711,7 +9693,7 @@
             </p:txBody>
           </p:sp>
         </mc:Choice>
-        <mc:Fallback>
+        <mc:Fallback xmlns="">
           <p:sp>
             <p:nvSpPr>
               <p:cNvPr id="17" name="Rectangle 16"/>
